--- a/ai-eng-nbs-1-master/First_Class.pptx
+++ b/ai-eng-nbs-1-master/First_Class.pptx
@@ -5,7 +5,7 @@
     <p:sldMasterId id="2147483686" r:id="rId1"/>
   </p:sldMasterIdLst>
   <p:notesMasterIdLst>
-    <p:notesMasterId r:id="rId11"/>
+    <p:notesMasterId r:id="rId14"/>
   </p:notesMasterIdLst>
   <p:sldIdLst>
     <p:sldId id="256" r:id="rId2"/>
@@ -16,7 +16,10 @@
     <p:sldId id="267" r:id="rId7"/>
     <p:sldId id="268" r:id="rId8"/>
     <p:sldId id="264" r:id="rId9"/>
-    <p:sldId id="258" r:id="rId10"/>
+    <p:sldId id="269" r:id="rId10"/>
+    <p:sldId id="270" r:id="rId11"/>
+    <p:sldId id="258" r:id="rId12"/>
+    <p:sldId id="271" r:id="rId13"/>
   </p:sldIdLst>
   <p:sldSz cx="12192000" cy="6858000"/>
   <p:notesSz cx="6858000" cy="9144000"/>
@@ -5923,6 +5926,1502 @@
     <p:extLst>
       <p:ext uri="{BB962C8B-B14F-4D97-AF65-F5344CB8AC3E}">
         <p14:creationId xmlns:p14="http://schemas.microsoft.com/office/powerpoint/2010/main" val="3253747073"/>
+      </p:ext>
+    </p:extLst>
+  </p:cSld>
+  <p:clrMapOvr>
+    <a:masterClrMapping/>
+  </p:clrMapOvr>
+</p:sld>
+</file>
+
+<file path=ppt/slides/slide10.xml><?xml version="1.0" encoding="utf-8"?>
+<p:sld xmlns:a="http://schemas.openxmlformats.org/drawingml/2006/main" xmlns:r="http://schemas.openxmlformats.org/officeDocument/2006/relationships" xmlns:p="http://schemas.openxmlformats.org/presentationml/2006/main">
+  <p:cSld>
+    <p:bg>
+      <p:bgPr>
+        <a:solidFill>
+          <a:schemeClr val="bg2"/>
+        </a:solidFill>
+        <a:effectLst/>
+      </p:bgPr>
+    </p:bg>
+    <p:spTree>
+      <p:nvGrpSpPr>
+        <p:cNvPr id="1" name=""/>
+        <p:cNvGrpSpPr/>
+        <p:nvPr/>
+      </p:nvGrpSpPr>
+      <p:grpSpPr>
+        <a:xfrm>
+          <a:off x="0" y="0"/>
+          <a:ext cx="0" cy="0"/>
+          <a:chOff x="0" y="0"/>
+          <a:chExt cx="0" cy="0"/>
+        </a:xfrm>
+      </p:grpSpPr>
+      <p:sp>
+        <p:nvSpPr>
+          <p:cNvPr id="18" name="Rectangle 17">
+            <a:extLst>
+              <a:ext uri="{FF2B5EF4-FFF2-40B4-BE49-F238E27FC236}">
+                <a16:creationId xmlns:a16="http://schemas.microsoft.com/office/drawing/2014/main" id="{5BE2A49E-0BD9-321C-F602-AFA2FCF9B27B}"/>
+              </a:ext>
+              <a:ext uri="{C183D7F6-B498-43B3-948B-1728B52AA6E4}">
+                <adec:decorative xmlns:adec="http://schemas.microsoft.com/office/drawing/2017/decorative" val="1"/>
+              </a:ext>
+            </a:extLst>
+          </p:cNvPr>
+          <p:cNvSpPr>
+            <a:spLocks noGrp="1" noRot="1" noChangeAspect="1" noMove="1" noResize="1" noEditPoints="1" noAdjustHandles="1" noChangeArrowheads="1" noChangeShapeType="1" noTextEdit="1"/>
+          </p:cNvSpPr>
+          <p:nvPr>
+            <p:extLst>
+              <p:ext uri="{386F3935-93C4-4BCD-93E2-E3B085C9AB24}">
+                <p16:designElem xmlns:p16="http://schemas.microsoft.com/office/powerpoint/2015/main" val="1"/>
+              </p:ext>
+            </p:extLst>
+          </p:nvPr>
+        </p:nvSpPr>
+        <p:spPr>
+          <a:xfrm>
+            <a:off x="933198" y="931857"/>
+            <a:ext cx="10326946" cy="4996302"/>
+          </a:xfrm>
+          <a:prstGeom prst="rect">
+            <a:avLst/>
+          </a:prstGeom>
+          <a:noFill/>
+          <a:ln w="38100">
+            <a:solidFill>
+              <a:schemeClr val="accent1">
+                <a:lumMod val="60000"/>
+                <a:lumOff val="40000"/>
+              </a:schemeClr>
+            </a:solidFill>
+          </a:ln>
+        </p:spPr>
+        <p:style>
+          <a:lnRef idx="2">
+            <a:schemeClr val="accent1">
+              <a:shade val="50000"/>
+            </a:schemeClr>
+          </a:lnRef>
+          <a:fillRef idx="1">
+            <a:schemeClr val="accent1"/>
+          </a:fillRef>
+          <a:effectRef idx="0">
+            <a:schemeClr val="accent1"/>
+          </a:effectRef>
+          <a:fontRef idx="minor">
+            <a:schemeClr val="lt1"/>
+          </a:fontRef>
+        </p:style>
+        <p:txBody>
+          <a:bodyPr rtlCol="0" anchor="ctr"/>
+          <a:lstStyle/>
+          <a:p>
+            <a:pPr algn="ctr"/>
+            <a:endParaRPr lang="en-US"/>
+          </a:p>
+        </p:txBody>
+      </p:sp>
+      <p:sp useBgFill="1">
+        <p:nvSpPr>
+          <p:cNvPr id="20" name="Rectangle 19">
+            <a:extLst>
+              <a:ext uri="{FF2B5EF4-FFF2-40B4-BE49-F238E27FC236}">
+                <a16:creationId xmlns:a16="http://schemas.microsoft.com/office/drawing/2014/main" id="{A7E26772-EAFC-10BB-4659-99BF2A8A1546}"/>
+              </a:ext>
+              <a:ext uri="{C183D7F6-B498-43B3-948B-1728B52AA6E4}">
+                <adec:decorative xmlns:adec="http://schemas.microsoft.com/office/drawing/2017/decorative" val="1"/>
+              </a:ext>
+            </a:extLst>
+          </p:cNvPr>
+          <p:cNvSpPr>
+            <a:spLocks noGrp="1" noRot="1" noChangeAspect="1" noMove="1" noResize="1" noEditPoints="1" noAdjustHandles="1" noChangeArrowheads="1" noChangeShapeType="1" noTextEdit="1"/>
+          </p:cNvSpPr>
+          <p:nvPr>
+            <p:extLst>
+              <p:ext uri="{386F3935-93C4-4BCD-93E2-E3B085C9AB24}">
+                <p16:designElem xmlns:p16="http://schemas.microsoft.com/office/powerpoint/2015/main" val="1"/>
+              </p:ext>
+            </p:extLst>
+          </p:nvPr>
+        </p:nvSpPr>
+        <p:spPr>
+          <a:xfrm>
+            <a:off x="0" y="0"/>
+            <a:ext cx="12192000" cy="6858000"/>
+          </a:xfrm>
+          <a:prstGeom prst="rect">
+            <a:avLst/>
+          </a:prstGeom>
+          <a:ln w="12700" cap="flat" cmpd="sng" algn="ctr">
+            <a:noFill/>
+            <a:prstDash val="solid"/>
+            <a:miter lim="800000"/>
+          </a:ln>
+          <a:effectLst/>
+        </p:spPr>
+        <p:style>
+          <a:lnRef idx="2">
+            <a:schemeClr val="accent1">
+              <a:shade val="50000"/>
+            </a:schemeClr>
+          </a:lnRef>
+          <a:fillRef idx="1">
+            <a:schemeClr val="accent1"/>
+          </a:fillRef>
+          <a:effectRef idx="0">
+            <a:schemeClr val="accent1"/>
+          </a:effectRef>
+          <a:fontRef idx="minor">
+            <a:schemeClr val="lt1"/>
+          </a:fontRef>
+        </p:style>
+        <p:txBody>
+          <a:bodyPr rtlCol="0" anchor="ctr"/>
+          <a:lstStyle/>
+          <a:p>
+            <a:pPr algn="ctr"/>
+            <a:endParaRPr lang="en-US"/>
+          </a:p>
+        </p:txBody>
+      </p:sp>
+      <p:sp>
+        <p:nvSpPr>
+          <p:cNvPr id="22" name="Rectangle 21">
+            <a:extLst>
+              <a:ext uri="{FF2B5EF4-FFF2-40B4-BE49-F238E27FC236}">
+                <a16:creationId xmlns:a16="http://schemas.microsoft.com/office/drawing/2014/main" id="{E4AEFA6A-E623-CF1A-3DDF-C38D3A7E2CE2}"/>
+              </a:ext>
+              <a:ext uri="{C183D7F6-B498-43B3-948B-1728B52AA6E4}">
+                <adec:decorative xmlns:adec="http://schemas.microsoft.com/office/drawing/2017/decorative" val="1"/>
+              </a:ext>
+            </a:extLst>
+          </p:cNvPr>
+          <p:cNvSpPr>
+            <a:spLocks noGrp="1" noRot="1" noChangeAspect="1" noMove="1" noResize="1" noEditPoints="1" noAdjustHandles="1" noChangeArrowheads="1" noChangeShapeType="1" noTextEdit="1"/>
+          </p:cNvSpPr>
+          <p:nvPr>
+            <p:extLst>
+              <p:ext uri="{386F3935-93C4-4BCD-93E2-E3B085C9AB24}">
+                <p16:designElem xmlns:p16="http://schemas.microsoft.com/office/powerpoint/2015/main" val="1"/>
+              </p:ext>
+            </p:extLst>
+          </p:nvPr>
+        </p:nvSpPr>
+        <p:spPr>
+          <a:xfrm>
+            <a:off x="935884" y="934542"/>
+            <a:ext cx="10321575" cy="4990932"/>
+          </a:xfrm>
+          <a:prstGeom prst="rect">
+            <a:avLst/>
+          </a:prstGeom>
+          <a:noFill/>
+          <a:ln w="38100">
+            <a:solidFill>
+              <a:schemeClr val="accent1">
+                <a:lumMod val="60000"/>
+                <a:lumOff val="40000"/>
+              </a:schemeClr>
+            </a:solidFill>
+          </a:ln>
+        </p:spPr>
+        <p:style>
+          <a:lnRef idx="2">
+            <a:schemeClr val="accent1">
+              <a:shade val="50000"/>
+            </a:schemeClr>
+          </a:lnRef>
+          <a:fillRef idx="1">
+            <a:schemeClr val="accent1"/>
+          </a:fillRef>
+          <a:effectRef idx="0">
+            <a:schemeClr val="accent1"/>
+          </a:effectRef>
+          <a:fontRef idx="minor">
+            <a:schemeClr val="lt1"/>
+          </a:fontRef>
+        </p:style>
+        <p:txBody>
+          <a:bodyPr rtlCol="0" anchor="ctr"/>
+          <a:lstStyle/>
+          <a:p>
+            <a:pPr algn="ctr"/>
+            <a:endParaRPr lang="en-US"/>
+          </a:p>
+        </p:txBody>
+      </p:sp>
+      <p:sp>
+        <p:nvSpPr>
+          <p:cNvPr id="2" name="Title 1">
+            <a:extLst>
+              <a:ext uri="{FF2B5EF4-FFF2-40B4-BE49-F238E27FC236}">
+                <a16:creationId xmlns:a16="http://schemas.microsoft.com/office/drawing/2014/main" id="{1852863F-95AE-740F-DE83-C44CEAA14F55}"/>
+              </a:ext>
+            </a:extLst>
+          </p:cNvPr>
+          <p:cNvSpPr>
+            <a:spLocks noGrp="1"/>
+          </p:cNvSpPr>
+          <p:nvPr>
+            <p:ph type="title"/>
+          </p:nvPr>
+        </p:nvSpPr>
+        <p:spPr>
+          <a:xfrm>
+            <a:off x="980045" y="929841"/>
+            <a:ext cx="8792605" cy="628650"/>
+          </a:xfrm>
+        </p:spPr>
+        <p:txBody>
+          <a:bodyPr vert="horz" lIns="91440" tIns="45720" rIns="91440" bIns="45720" rtlCol="0" anchor="b">
+            <a:normAutofit/>
+          </a:bodyPr>
+          <a:lstStyle/>
+          <a:p>
+            <a:r>
+              <a:rPr lang="en-US" sz="3200" spc="530" dirty="0"/>
+              <a:t>Easy = f(time doing similar things)</a:t>
+            </a:r>
+          </a:p>
+        </p:txBody>
+      </p:sp>
+      <p:pic>
+        <p:nvPicPr>
+          <p:cNvPr id="4" name="Picture 3" descr="A diagram of a normal distribution&#10;&#10;AI-generated content may be incorrect.">
+            <a:extLst>
+              <a:ext uri="{FF2B5EF4-FFF2-40B4-BE49-F238E27FC236}">
+                <a16:creationId xmlns:a16="http://schemas.microsoft.com/office/drawing/2014/main" id="{99B2F13D-9AE4-CF2D-381A-36DA1173E23A}"/>
+              </a:ext>
+            </a:extLst>
+          </p:cNvPr>
+          <p:cNvPicPr>
+            <a:picLocks noChangeAspect="1"/>
+          </p:cNvPicPr>
+          <p:nvPr/>
+        </p:nvPicPr>
+        <p:blipFill>
+          <a:blip r:embed="rId2"/>
+          <a:stretch>
+            <a:fillRect/>
+          </a:stretch>
+        </p:blipFill>
+        <p:spPr>
+          <a:xfrm>
+            <a:off x="5012716" y="1743075"/>
+            <a:ext cx="6046356" cy="4187100"/>
+          </a:xfrm>
+          <a:prstGeom prst="rect">
+            <a:avLst/>
+          </a:prstGeom>
+        </p:spPr>
+      </p:pic>
+      <p:sp>
+        <p:nvSpPr>
+          <p:cNvPr id="5" name="TextBox 4">
+            <a:extLst>
+              <a:ext uri="{FF2B5EF4-FFF2-40B4-BE49-F238E27FC236}">
+                <a16:creationId xmlns:a16="http://schemas.microsoft.com/office/drawing/2014/main" id="{8D0A6A6D-FD20-3A23-185D-B7BEEBB3261E}"/>
+              </a:ext>
+            </a:extLst>
+          </p:cNvPr>
+          <p:cNvSpPr txBox="1"/>
+          <p:nvPr/>
+        </p:nvSpPr>
+        <p:spPr>
+          <a:xfrm>
+            <a:off x="1423495" y="2049853"/>
+            <a:ext cx="3098925" cy="1754326"/>
+          </a:xfrm>
+          <a:prstGeom prst="rect">
+            <a:avLst/>
+          </a:prstGeom>
+          <a:noFill/>
+        </p:spPr>
+        <p:txBody>
+          <a:bodyPr wrap="none" rtlCol="0">
+            <a:spAutoFit/>
+          </a:bodyPr>
+          <a:lstStyle/>
+          <a:p>
+            <a:pPr marL="342900" indent="-342900">
+              <a:lnSpc>
+                <a:spcPct val="125000"/>
+              </a:lnSpc>
+              <a:buFont typeface="+mj-lt"/>
+              <a:buAutoNum type="arabicPeriod"/>
+            </a:pPr>
+            <a:r>
+              <a:rPr lang="en-US" sz="1800" dirty="0"/>
+              <a:t>Python, Bash &amp; Git</a:t>
+            </a:r>
+          </a:p>
+          <a:p>
+            <a:pPr marL="342900" indent="-342900">
+              <a:lnSpc>
+                <a:spcPct val="125000"/>
+              </a:lnSpc>
+              <a:buFont typeface="+mj-lt"/>
+              <a:buAutoNum type="arabicPeriod"/>
+            </a:pPr>
+            <a:r>
+              <a:rPr lang="en-US" sz="1800" dirty="0"/>
+              <a:t>How to work with data</a:t>
+            </a:r>
+          </a:p>
+          <a:p>
+            <a:pPr marL="342900" indent="-342900">
+              <a:lnSpc>
+                <a:spcPct val="125000"/>
+              </a:lnSpc>
+              <a:buFont typeface="+mj-lt"/>
+              <a:buAutoNum type="arabicPeriod"/>
+            </a:pPr>
+            <a:r>
+              <a:rPr lang="en-US" sz="1800" dirty="0"/>
+              <a:t>Computer Vision and CNN</a:t>
+            </a:r>
+          </a:p>
+          <a:p>
+            <a:pPr marL="342900" indent="-342900">
+              <a:lnSpc>
+                <a:spcPct val="125000"/>
+              </a:lnSpc>
+              <a:buFont typeface="+mj-lt"/>
+              <a:buAutoNum type="arabicPeriod"/>
+            </a:pPr>
+            <a:r>
+              <a:rPr lang="en-US" sz="1800" dirty="0"/>
+              <a:t>NLP and transformers</a:t>
+            </a:r>
+          </a:p>
+          <a:p>
+            <a:endParaRPr lang="en-US" dirty="0"/>
+          </a:p>
+        </p:txBody>
+      </p:sp>
+      <p:sp>
+        <p:nvSpPr>
+          <p:cNvPr id="6" name="TextBox 5">
+            <a:extLst>
+              <a:ext uri="{FF2B5EF4-FFF2-40B4-BE49-F238E27FC236}">
+                <a16:creationId xmlns:a16="http://schemas.microsoft.com/office/drawing/2014/main" id="{9D8D11C7-0AAB-EFB8-A8AE-08EC94868E4F}"/>
+              </a:ext>
+            </a:extLst>
+          </p:cNvPr>
+          <p:cNvSpPr txBox="1"/>
+          <p:nvPr/>
+        </p:nvSpPr>
+        <p:spPr>
+          <a:xfrm>
+            <a:off x="5643976" y="3498741"/>
+            <a:ext cx="2903838" cy="1569660"/>
+          </a:xfrm>
+          <a:prstGeom prst="rect">
+            <a:avLst/>
+          </a:prstGeom>
+          <a:noFill/>
+        </p:spPr>
+        <p:txBody>
+          <a:bodyPr wrap="square" rtlCol="0">
+            <a:spAutoFit/>
+          </a:bodyPr>
+          <a:lstStyle/>
+          <a:p>
+            <a:r>
+              <a:rPr lang="en-US" sz="3200" b="1" dirty="0">
+                <a:solidFill>
+                  <a:schemeClr val="bg1"/>
+                </a:solidFill>
+              </a:rPr>
+              <a:t>Ask</a:t>
+            </a:r>
+            <a:br>
+              <a:rPr lang="en-US" sz="3200" b="1" dirty="0">
+                <a:solidFill>
+                  <a:schemeClr val="bg1"/>
+                </a:solidFill>
+              </a:rPr>
+            </a:br>
+            <a:r>
+              <a:rPr lang="en-US" sz="3200" b="1" dirty="0">
+                <a:solidFill>
+                  <a:schemeClr val="bg1"/>
+                </a:solidFill>
+              </a:rPr>
+              <a:t>questions.</a:t>
+            </a:r>
+            <a:br>
+              <a:rPr lang="en-US" sz="3200" b="1" dirty="0">
+                <a:solidFill>
+                  <a:schemeClr val="bg1"/>
+                </a:solidFill>
+              </a:rPr>
+            </a:br>
+            <a:r>
+              <a:rPr lang="en-US" sz="3200" b="1" dirty="0">
+                <a:solidFill>
+                  <a:schemeClr val="bg1"/>
+                </a:solidFill>
+              </a:rPr>
+              <a:t>Ask for help!</a:t>
+            </a:r>
+          </a:p>
+        </p:txBody>
+      </p:sp>
+      <p:sp>
+        <p:nvSpPr>
+          <p:cNvPr id="7" name="TextBox 6">
+            <a:extLst>
+              <a:ext uri="{FF2B5EF4-FFF2-40B4-BE49-F238E27FC236}">
+                <a16:creationId xmlns:a16="http://schemas.microsoft.com/office/drawing/2014/main" id="{5B2315AE-3EA9-1F4F-7EF4-20B835F8CD84}"/>
+              </a:ext>
+            </a:extLst>
+          </p:cNvPr>
+          <p:cNvSpPr txBox="1"/>
+          <p:nvPr/>
+        </p:nvSpPr>
+        <p:spPr>
+          <a:xfrm>
+            <a:off x="9179074" y="3571992"/>
+            <a:ext cx="1885453" cy="1569660"/>
+          </a:xfrm>
+          <a:prstGeom prst="rect">
+            <a:avLst/>
+          </a:prstGeom>
+          <a:noFill/>
+        </p:spPr>
+        <p:txBody>
+          <a:bodyPr wrap="none" rtlCol="0">
+            <a:spAutoFit/>
+          </a:bodyPr>
+          <a:lstStyle/>
+          <a:p>
+            <a:r>
+              <a:rPr lang="en-US" sz="3200" dirty="0">
+                <a:solidFill>
+                  <a:schemeClr val="bg1"/>
+                </a:solidFill>
+              </a:rPr>
+              <a:t>Ask for </a:t>
+            </a:r>
+            <a:br>
+              <a:rPr lang="en-US" sz="3200" dirty="0">
+                <a:solidFill>
+                  <a:schemeClr val="bg1"/>
+                </a:solidFill>
+              </a:rPr>
+            </a:br>
+            <a:r>
+              <a:rPr lang="en-US" sz="3200" dirty="0">
+                <a:solidFill>
+                  <a:schemeClr val="bg1"/>
+                </a:solidFill>
+              </a:rPr>
+              <a:t>extra </a:t>
+            </a:r>
+          </a:p>
+          <a:p>
+            <a:r>
+              <a:rPr lang="en-US" sz="3200" dirty="0">
+                <a:solidFill>
+                  <a:schemeClr val="bg1"/>
+                </a:solidFill>
+              </a:rPr>
+              <a:t>challenge</a:t>
+            </a:r>
+          </a:p>
+        </p:txBody>
+      </p:sp>
+    </p:spTree>
+    <p:extLst>
+      <p:ext uri="{BB962C8B-B14F-4D97-AF65-F5344CB8AC3E}">
+        <p14:creationId xmlns:p14="http://schemas.microsoft.com/office/powerpoint/2010/main" val="3914519431"/>
+      </p:ext>
+    </p:extLst>
+  </p:cSld>
+  <p:clrMapOvr>
+    <a:masterClrMapping/>
+  </p:clrMapOvr>
+  <p:timing>
+    <p:tnLst>
+      <p:par>
+        <p:cTn id="1" dur="indefinite" restart="never" nodeType="tmRoot">
+          <p:childTnLst>
+            <p:seq concurrent="1" nextAc="seek">
+              <p:cTn id="2" dur="indefinite" nodeType="mainSeq">
+                <p:childTnLst>
+                  <p:par>
+                    <p:cTn id="3" fill="hold">
+                      <p:stCondLst>
+                        <p:cond delay="indefinite"/>
+                      </p:stCondLst>
+                      <p:childTnLst>
+                        <p:par>
+                          <p:cTn id="4" fill="hold">
+                            <p:stCondLst>
+                              <p:cond delay="0"/>
+                            </p:stCondLst>
+                            <p:childTnLst>
+                              <p:par>
+                                <p:cTn id="5" presetID="1" presetClass="entr" presetSubtype="0" fill="hold" grpId="0" nodeType="clickEffect">
+                                  <p:stCondLst>
+                                    <p:cond delay="0"/>
+                                  </p:stCondLst>
+                                  <p:childTnLst>
+                                    <p:set>
+                                      <p:cBhvr>
+                                        <p:cTn id="6" dur="1" fill="hold">
+                                          <p:stCondLst>
+                                            <p:cond delay="0"/>
+                                          </p:stCondLst>
+                                        </p:cTn>
+                                        <p:tgtEl>
+                                          <p:spTgt spid="5"/>
+                                        </p:tgtEl>
+                                        <p:attrNameLst>
+                                          <p:attrName>style.visibility</p:attrName>
+                                        </p:attrNameLst>
+                                      </p:cBhvr>
+                                      <p:to>
+                                        <p:strVal val="visible"/>
+                                      </p:to>
+                                    </p:set>
+                                  </p:childTnLst>
+                                </p:cTn>
+                              </p:par>
+                            </p:childTnLst>
+                          </p:cTn>
+                        </p:par>
+                      </p:childTnLst>
+                    </p:cTn>
+                  </p:par>
+                  <p:par>
+                    <p:cTn id="7" fill="hold">
+                      <p:stCondLst>
+                        <p:cond delay="indefinite"/>
+                      </p:stCondLst>
+                      <p:childTnLst>
+                        <p:par>
+                          <p:cTn id="8" fill="hold">
+                            <p:stCondLst>
+                              <p:cond delay="0"/>
+                            </p:stCondLst>
+                            <p:childTnLst>
+                              <p:par>
+                                <p:cTn id="9" presetID="1" presetClass="entr" presetSubtype="0" fill="hold" grpId="0" nodeType="clickEffect">
+                                  <p:stCondLst>
+                                    <p:cond delay="0"/>
+                                  </p:stCondLst>
+                                  <p:childTnLst>
+                                    <p:set>
+                                      <p:cBhvr>
+                                        <p:cTn id="10" dur="1" fill="hold">
+                                          <p:stCondLst>
+                                            <p:cond delay="0"/>
+                                          </p:stCondLst>
+                                        </p:cTn>
+                                        <p:tgtEl>
+                                          <p:spTgt spid="6"/>
+                                        </p:tgtEl>
+                                        <p:attrNameLst>
+                                          <p:attrName>style.visibility</p:attrName>
+                                        </p:attrNameLst>
+                                      </p:cBhvr>
+                                      <p:to>
+                                        <p:strVal val="visible"/>
+                                      </p:to>
+                                    </p:set>
+                                  </p:childTnLst>
+                                </p:cTn>
+                              </p:par>
+                            </p:childTnLst>
+                          </p:cTn>
+                        </p:par>
+                      </p:childTnLst>
+                    </p:cTn>
+                  </p:par>
+                  <p:par>
+                    <p:cTn id="11" fill="hold">
+                      <p:stCondLst>
+                        <p:cond delay="indefinite"/>
+                      </p:stCondLst>
+                      <p:childTnLst>
+                        <p:par>
+                          <p:cTn id="12" fill="hold">
+                            <p:stCondLst>
+                              <p:cond delay="0"/>
+                            </p:stCondLst>
+                            <p:childTnLst>
+                              <p:par>
+                                <p:cTn id="13" presetID="1" presetClass="entr" presetSubtype="0" fill="hold" grpId="0" nodeType="clickEffect">
+                                  <p:stCondLst>
+                                    <p:cond delay="0"/>
+                                  </p:stCondLst>
+                                  <p:childTnLst>
+                                    <p:set>
+                                      <p:cBhvr>
+                                        <p:cTn id="14" dur="1" fill="hold">
+                                          <p:stCondLst>
+                                            <p:cond delay="0"/>
+                                          </p:stCondLst>
+                                        </p:cTn>
+                                        <p:tgtEl>
+                                          <p:spTgt spid="7"/>
+                                        </p:tgtEl>
+                                        <p:attrNameLst>
+                                          <p:attrName>style.visibility</p:attrName>
+                                        </p:attrNameLst>
+                                      </p:cBhvr>
+                                      <p:to>
+                                        <p:strVal val="visible"/>
+                                      </p:to>
+                                    </p:set>
+                                  </p:childTnLst>
+                                </p:cTn>
+                              </p:par>
+                            </p:childTnLst>
+                          </p:cTn>
+                        </p:par>
+                      </p:childTnLst>
+                    </p:cTn>
+                  </p:par>
+                </p:childTnLst>
+              </p:cTn>
+              <p:prevCondLst>
+                <p:cond evt="onPrev" delay="0">
+                  <p:tgtEl>
+                    <p:sldTgt/>
+                  </p:tgtEl>
+                </p:cond>
+              </p:prevCondLst>
+              <p:nextCondLst>
+                <p:cond evt="onNext" delay="0">
+                  <p:tgtEl>
+                    <p:sldTgt/>
+                  </p:tgtEl>
+                </p:cond>
+              </p:nextCondLst>
+            </p:seq>
+          </p:childTnLst>
+        </p:cTn>
+      </p:par>
+    </p:tnLst>
+    <p:bldLst>
+      <p:bldP spid="5" grpId="0"/>
+      <p:bldP spid="6" grpId="0"/>
+      <p:bldP spid="7" grpId="0"/>
+    </p:bldLst>
+  </p:timing>
+</p:sld>
+</file>
+
+<file path=ppt/slides/slide11.xml><?xml version="1.0" encoding="utf-8"?>
+<p:sld xmlns:a="http://schemas.openxmlformats.org/drawingml/2006/main" xmlns:r="http://schemas.openxmlformats.org/officeDocument/2006/relationships" xmlns:p="http://schemas.openxmlformats.org/presentationml/2006/main">
+  <p:cSld>
+    <p:bg>
+      <p:bgPr>
+        <a:solidFill>
+          <a:schemeClr val="bg2"/>
+        </a:solidFill>
+        <a:effectLst/>
+      </p:bgPr>
+    </p:bg>
+    <p:spTree>
+      <p:nvGrpSpPr>
+        <p:cNvPr id="1" name=""/>
+        <p:cNvGrpSpPr/>
+        <p:nvPr/>
+      </p:nvGrpSpPr>
+      <p:grpSpPr>
+        <a:xfrm>
+          <a:off x="0" y="0"/>
+          <a:ext cx="0" cy="0"/>
+          <a:chOff x="0" y="0"/>
+          <a:chExt cx="0" cy="0"/>
+        </a:xfrm>
+      </p:grpSpPr>
+      <p:sp>
+        <p:nvSpPr>
+          <p:cNvPr id="15" name="Rectangle 14">
+            <a:extLst>
+              <a:ext uri="{FF2B5EF4-FFF2-40B4-BE49-F238E27FC236}">
+                <a16:creationId xmlns:a16="http://schemas.microsoft.com/office/drawing/2014/main" id="{5BE2A49E-0BD9-321C-F602-AFA2FCF9B27B}"/>
+              </a:ext>
+              <a:ext uri="{C183D7F6-B498-43B3-948B-1728B52AA6E4}">
+                <adec:decorative xmlns:adec="http://schemas.microsoft.com/office/drawing/2017/decorative" val="1"/>
+              </a:ext>
+            </a:extLst>
+          </p:cNvPr>
+          <p:cNvSpPr>
+            <a:spLocks noGrp="1" noRot="1" noChangeAspect="1" noMove="1" noResize="1" noEditPoints="1" noAdjustHandles="1" noChangeArrowheads="1" noChangeShapeType="1" noTextEdit="1"/>
+          </p:cNvSpPr>
+          <p:nvPr>
+            <p:extLst>
+              <p:ext uri="{386F3935-93C4-4BCD-93E2-E3B085C9AB24}">
+                <p16:designElem xmlns:p16="http://schemas.microsoft.com/office/powerpoint/2015/main" val="1"/>
+              </p:ext>
+            </p:extLst>
+          </p:nvPr>
+        </p:nvSpPr>
+        <p:spPr>
+          <a:xfrm>
+            <a:off x="933198" y="931857"/>
+            <a:ext cx="10326946" cy="4996302"/>
+          </a:xfrm>
+          <a:prstGeom prst="rect">
+            <a:avLst/>
+          </a:prstGeom>
+          <a:noFill/>
+          <a:ln w="38100">
+            <a:solidFill>
+              <a:schemeClr val="accent1">
+                <a:lumMod val="60000"/>
+                <a:lumOff val="40000"/>
+              </a:schemeClr>
+            </a:solidFill>
+          </a:ln>
+        </p:spPr>
+        <p:style>
+          <a:lnRef idx="2">
+            <a:schemeClr val="accent1">
+              <a:shade val="50000"/>
+            </a:schemeClr>
+          </a:lnRef>
+          <a:fillRef idx="1">
+            <a:schemeClr val="accent1"/>
+          </a:fillRef>
+          <a:effectRef idx="0">
+            <a:schemeClr val="accent1"/>
+          </a:effectRef>
+          <a:fontRef idx="minor">
+            <a:schemeClr val="lt1"/>
+          </a:fontRef>
+        </p:style>
+        <p:txBody>
+          <a:bodyPr rtlCol="0" anchor="ctr"/>
+          <a:lstStyle/>
+          <a:p>
+            <a:pPr algn="ctr"/>
+            <a:endParaRPr lang="en-US"/>
+          </a:p>
+        </p:txBody>
+      </p:sp>
+      <p:sp useBgFill="1">
+        <p:nvSpPr>
+          <p:cNvPr id="16" name="Rectangle 15">
+            <a:extLst>
+              <a:ext uri="{FF2B5EF4-FFF2-40B4-BE49-F238E27FC236}">
+                <a16:creationId xmlns:a16="http://schemas.microsoft.com/office/drawing/2014/main" id="{2D0267C2-9A87-5888-0384-969AD9365463}"/>
+              </a:ext>
+              <a:ext uri="{C183D7F6-B498-43B3-948B-1728B52AA6E4}">
+                <adec:decorative xmlns:adec="http://schemas.microsoft.com/office/drawing/2017/decorative" val="1"/>
+              </a:ext>
+            </a:extLst>
+          </p:cNvPr>
+          <p:cNvSpPr>
+            <a:spLocks noGrp="1" noRot="1" noChangeAspect="1" noMove="1" noResize="1" noEditPoints="1" noAdjustHandles="1" noChangeArrowheads="1" noChangeShapeType="1" noTextEdit="1"/>
+          </p:cNvSpPr>
+          <p:nvPr>
+            <p:extLst>
+              <p:ext uri="{386F3935-93C4-4BCD-93E2-E3B085C9AB24}">
+                <p16:designElem xmlns:p16="http://schemas.microsoft.com/office/powerpoint/2015/main" val="1"/>
+              </p:ext>
+            </p:extLst>
+          </p:nvPr>
+        </p:nvSpPr>
+        <p:spPr>
+          <a:xfrm>
+            <a:off x="0" y="0"/>
+            <a:ext cx="12192000" cy="6858000"/>
+          </a:xfrm>
+          <a:prstGeom prst="rect">
+            <a:avLst/>
+          </a:prstGeom>
+          <a:ln w="12700" cap="flat" cmpd="sng" algn="ctr">
+            <a:noFill/>
+            <a:prstDash val="solid"/>
+            <a:miter lim="800000"/>
+          </a:ln>
+          <a:effectLst/>
+        </p:spPr>
+        <p:style>
+          <a:lnRef idx="2">
+            <a:schemeClr val="accent1">
+              <a:shade val="50000"/>
+            </a:schemeClr>
+          </a:lnRef>
+          <a:fillRef idx="1">
+            <a:schemeClr val="accent1"/>
+          </a:fillRef>
+          <a:effectRef idx="0">
+            <a:schemeClr val="accent1"/>
+          </a:effectRef>
+          <a:fontRef idx="minor">
+            <a:schemeClr val="lt1"/>
+          </a:fontRef>
+        </p:style>
+        <p:txBody>
+          <a:bodyPr rtlCol="0" anchor="ctr"/>
+          <a:lstStyle/>
+          <a:p>
+            <a:pPr algn="ctr"/>
+            <a:endParaRPr lang="en-US"/>
+          </a:p>
+        </p:txBody>
+      </p:sp>
+      <p:sp>
+        <p:nvSpPr>
+          <p:cNvPr id="17" name="Rectangle 16">
+            <a:extLst>
+              <a:ext uri="{FF2B5EF4-FFF2-40B4-BE49-F238E27FC236}">
+                <a16:creationId xmlns:a16="http://schemas.microsoft.com/office/drawing/2014/main" id="{E4AEFA6A-E623-CF1A-3DDF-C38D3A7E2CE2}"/>
+              </a:ext>
+              <a:ext uri="{C183D7F6-B498-43B3-948B-1728B52AA6E4}">
+                <adec:decorative xmlns:adec="http://schemas.microsoft.com/office/drawing/2017/decorative" val="1"/>
+              </a:ext>
+            </a:extLst>
+          </p:cNvPr>
+          <p:cNvSpPr>
+            <a:spLocks noGrp="1" noRot="1" noChangeAspect="1" noMove="1" noResize="1" noEditPoints="1" noAdjustHandles="1" noChangeArrowheads="1" noChangeShapeType="1" noTextEdit="1"/>
+          </p:cNvSpPr>
+          <p:nvPr>
+            <p:extLst>
+              <p:ext uri="{386F3935-93C4-4BCD-93E2-E3B085C9AB24}">
+                <p16:designElem xmlns:p16="http://schemas.microsoft.com/office/powerpoint/2015/main" val="1"/>
+              </p:ext>
+            </p:extLst>
+          </p:nvPr>
+        </p:nvSpPr>
+        <p:spPr>
+          <a:xfrm>
+            <a:off x="938570" y="930513"/>
+            <a:ext cx="3740452" cy="4989589"/>
+          </a:xfrm>
+          <a:prstGeom prst="rect">
+            <a:avLst/>
+          </a:prstGeom>
+          <a:noFill/>
+          <a:ln w="38100">
+            <a:solidFill>
+              <a:schemeClr val="accent1">
+                <a:lumMod val="60000"/>
+                <a:lumOff val="40000"/>
+              </a:schemeClr>
+            </a:solidFill>
+          </a:ln>
+        </p:spPr>
+        <p:style>
+          <a:lnRef idx="2">
+            <a:schemeClr val="accent1">
+              <a:shade val="50000"/>
+            </a:schemeClr>
+          </a:lnRef>
+          <a:fillRef idx="1">
+            <a:schemeClr val="accent1"/>
+          </a:fillRef>
+          <a:effectRef idx="0">
+            <a:schemeClr val="accent1"/>
+          </a:effectRef>
+          <a:fontRef idx="minor">
+            <a:schemeClr val="lt1"/>
+          </a:fontRef>
+        </p:style>
+        <p:txBody>
+          <a:bodyPr rtlCol="0" anchor="ctr"/>
+          <a:lstStyle/>
+          <a:p>
+            <a:pPr algn="ctr"/>
+            <a:endParaRPr lang="en-US"/>
+          </a:p>
+        </p:txBody>
+      </p:sp>
+      <p:sp>
+        <p:nvSpPr>
+          <p:cNvPr id="2" name="Title 1">
+            <a:extLst>
+              <a:ext uri="{FF2B5EF4-FFF2-40B4-BE49-F238E27FC236}">
+                <a16:creationId xmlns:a16="http://schemas.microsoft.com/office/drawing/2014/main" id="{D707FECF-574B-CCB5-64C0-4CFE2E45054C}"/>
+              </a:ext>
+            </a:extLst>
+          </p:cNvPr>
+          <p:cNvSpPr>
+            <a:spLocks noGrp="1"/>
+          </p:cNvSpPr>
+          <p:nvPr>
+            <p:ph type="title"/>
+          </p:nvPr>
+        </p:nvSpPr>
+        <p:spPr>
+          <a:xfrm>
+            <a:off x="938570" y="2771774"/>
+            <a:ext cx="3355901" cy="1828800"/>
+          </a:xfrm>
+        </p:spPr>
+        <p:txBody>
+          <a:bodyPr vert="horz" lIns="91440" tIns="45720" rIns="91440" bIns="45720" rtlCol="0" anchor="b">
+            <a:normAutofit/>
+          </a:bodyPr>
+          <a:lstStyle/>
+          <a:p>
+            <a:r>
+              <a:rPr lang="en-US" sz="3200" spc="530" dirty="0"/>
+              <a:t>Bash: Command line tools</a:t>
+            </a:r>
+          </a:p>
+        </p:txBody>
+      </p:sp>
+      <p:pic>
+        <p:nvPicPr>
+          <p:cNvPr id="4" name="Picture 3" descr="A person and a child talking&#10;&#10;AI-generated content may be incorrect.">
+            <a:extLst>
+              <a:ext uri="{FF2B5EF4-FFF2-40B4-BE49-F238E27FC236}">
+                <a16:creationId xmlns:a16="http://schemas.microsoft.com/office/drawing/2014/main" id="{194ECBD1-3B89-4BE1-1F15-3C8DA3E70BAF}"/>
+              </a:ext>
+            </a:extLst>
+          </p:cNvPr>
+          <p:cNvPicPr>
+            <a:picLocks noChangeAspect="1"/>
+          </p:cNvPicPr>
+          <p:nvPr/>
+        </p:nvPicPr>
+        <p:blipFill>
+          <a:blip r:embed="rId2"/>
+          <a:stretch>
+            <a:fillRect/>
+          </a:stretch>
+        </p:blipFill>
+        <p:spPr>
+          <a:xfrm>
+            <a:off x="5586770" y="1885362"/>
+            <a:ext cx="5690830" cy="3087275"/>
+          </a:xfrm>
+          <a:prstGeom prst="rect">
+            <a:avLst/>
+          </a:prstGeom>
+        </p:spPr>
+      </p:pic>
+      <p:pic>
+        <p:nvPicPr>
+          <p:cNvPr id="1026" name="Picture 2" descr="Wax On, Wax Off: The Way to Movement Mastery? | Football Beyond The Stats">
+            <a:extLst>
+              <a:ext uri="{FF2B5EF4-FFF2-40B4-BE49-F238E27FC236}">
+                <a16:creationId xmlns:a16="http://schemas.microsoft.com/office/drawing/2014/main" id="{D1709624-9207-2389-13A2-A5DB417DC9BC}"/>
+              </a:ext>
+            </a:extLst>
+          </p:cNvPr>
+          <p:cNvPicPr>
+            <a:picLocks noChangeAspect="1" noChangeArrowheads="1"/>
+          </p:cNvPicPr>
+          <p:nvPr/>
+        </p:nvPicPr>
+        <p:blipFill>
+          <a:blip r:embed="rId3">
+            <a:extLst>
+              <a:ext uri="{28A0092B-C50C-407E-A947-70E740481C1C}">
+                <a14:useLocalDpi xmlns:a14="http://schemas.microsoft.com/office/drawing/2010/main" val="0"/>
+              </a:ext>
+            </a:extLst>
+          </a:blip>
+          <a:srcRect/>
+          <a:stretch>
+            <a:fillRect/>
+          </a:stretch>
+        </p:blipFill>
+        <p:spPr bwMode="auto">
+          <a:xfrm>
+            <a:off x="5457228" y="1218608"/>
+            <a:ext cx="5995191" cy="4413398"/>
+          </a:xfrm>
+          <a:prstGeom prst="rect">
+            <a:avLst/>
+          </a:prstGeom>
+          <a:noFill/>
+          <a:extLst>
+            <a:ext uri="{909E8E84-426E-40DD-AFC4-6F175D3DCCD1}">
+              <a14:hiddenFill xmlns:a14="http://schemas.microsoft.com/office/drawing/2010/main">
+                <a:solidFill>
+                  <a:srgbClr val="FFFFFF"/>
+                </a:solidFill>
+              </a14:hiddenFill>
+            </a:ext>
+          </a:extLst>
+        </p:spPr>
+      </p:pic>
+      <p:sp>
+        <p:nvSpPr>
+          <p:cNvPr id="5" name="TextBox 4">
+            <a:extLst>
+              <a:ext uri="{FF2B5EF4-FFF2-40B4-BE49-F238E27FC236}">
+                <a16:creationId xmlns:a16="http://schemas.microsoft.com/office/drawing/2014/main" id="{46BC9664-D90F-0EC1-A002-165B0916F08A}"/>
+              </a:ext>
+            </a:extLst>
+          </p:cNvPr>
+          <p:cNvSpPr txBox="1"/>
+          <p:nvPr/>
+        </p:nvSpPr>
+        <p:spPr>
+          <a:xfrm>
+            <a:off x="2998907" y="5550770"/>
+            <a:ext cx="1718740" cy="369332"/>
+          </a:xfrm>
+          <a:prstGeom prst="rect">
+            <a:avLst/>
+          </a:prstGeom>
+          <a:noFill/>
+        </p:spPr>
+        <p:txBody>
+          <a:bodyPr wrap="none" rtlCol="0">
+            <a:spAutoFit/>
+          </a:bodyPr>
+          <a:lstStyle/>
+          <a:p>
+            <a:r>
+              <a:rPr lang="en-US" dirty="0"/>
+              <a:t>In your terminal</a:t>
+            </a:r>
+          </a:p>
+        </p:txBody>
+      </p:sp>
+    </p:spTree>
+    <p:extLst>
+      <p:ext uri="{BB962C8B-B14F-4D97-AF65-F5344CB8AC3E}">
+        <p14:creationId xmlns:p14="http://schemas.microsoft.com/office/powerpoint/2010/main" val="930671219"/>
+      </p:ext>
+    </p:extLst>
+  </p:cSld>
+  <p:clrMapOvr>
+    <a:masterClrMapping/>
+  </p:clrMapOvr>
+  <p:timing>
+    <p:tnLst>
+      <p:par>
+        <p:cTn id="1" dur="indefinite" restart="never" nodeType="tmRoot">
+          <p:childTnLst>
+            <p:seq concurrent="1" nextAc="seek">
+              <p:cTn id="2" dur="indefinite" nodeType="mainSeq">
+                <p:childTnLst>
+                  <p:par>
+                    <p:cTn id="3" fill="hold">
+                      <p:stCondLst>
+                        <p:cond delay="indefinite"/>
+                      </p:stCondLst>
+                      <p:childTnLst>
+                        <p:par>
+                          <p:cTn id="4" fill="hold">
+                            <p:stCondLst>
+                              <p:cond delay="0"/>
+                            </p:stCondLst>
+                            <p:childTnLst>
+                              <p:par>
+                                <p:cTn id="5" presetID="1" presetClass="entr" presetSubtype="0" fill="hold" nodeType="clickEffect">
+                                  <p:stCondLst>
+                                    <p:cond delay="0"/>
+                                  </p:stCondLst>
+                                  <p:childTnLst>
+                                    <p:set>
+                                      <p:cBhvr>
+                                        <p:cTn id="6" dur="1" fill="hold">
+                                          <p:stCondLst>
+                                            <p:cond delay="0"/>
+                                          </p:stCondLst>
+                                        </p:cTn>
+                                        <p:tgtEl>
+                                          <p:spTgt spid="4"/>
+                                        </p:tgtEl>
+                                        <p:attrNameLst>
+                                          <p:attrName>style.visibility</p:attrName>
+                                        </p:attrNameLst>
+                                      </p:cBhvr>
+                                      <p:to>
+                                        <p:strVal val="visible"/>
+                                      </p:to>
+                                    </p:set>
+                                  </p:childTnLst>
+                                </p:cTn>
+                              </p:par>
+                            </p:childTnLst>
+                          </p:cTn>
+                        </p:par>
+                      </p:childTnLst>
+                    </p:cTn>
+                  </p:par>
+                  <p:par>
+                    <p:cTn id="7" fill="hold">
+                      <p:stCondLst>
+                        <p:cond delay="indefinite"/>
+                      </p:stCondLst>
+                      <p:childTnLst>
+                        <p:par>
+                          <p:cTn id="8" fill="hold">
+                            <p:stCondLst>
+                              <p:cond delay="0"/>
+                            </p:stCondLst>
+                            <p:childTnLst>
+                              <p:par>
+                                <p:cTn id="9" presetID="1" presetClass="entr" presetSubtype="0" fill="hold" nodeType="clickEffect">
+                                  <p:stCondLst>
+                                    <p:cond delay="0"/>
+                                  </p:stCondLst>
+                                  <p:childTnLst>
+                                    <p:set>
+                                      <p:cBhvr>
+                                        <p:cTn id="10" dur="1" fill="hold">
+                                          <p:stCondLst>
+                                            <p:cond delay="0"/>
+                                          </p:stCondLst>
+                                        </p:cTn>
+                                        <p:tgtEl>
+                                          <p:spTgt spid="1026"/>
+                                        </p:tgtEl>
+                                        <p:attrNameLst>
+                                          <p:attrName>style.visibility</p:attrName>
+                                        </p:attrNameLst>
+                                      </p:cBhvr>
+                                      <p:to>
+                                        <p:strVal val="visible"/>
+                                      </p:to>
+                                    </p:set>
+                                  </p:childTnLst>
+                                </p:cTn>
+                              </p:par>
+                            </p:childTnLst>
+                          </p:cTn>
+                        </p:par>
+                      </p:childTnLst>
+                    </p:cTn>
+                  </p:par>
+                </p:childTnLst>
+              </p:cTn>
+              <p:prevCondLst>
+                <p:cond evt="onPrev" delay="0">
+                  <p:tgtEl>
+                    <p:sldTgt/>
+                  </p:tgtEl>
+                </p:cond>
+              </p:prevCondLst>
+              <p:nextCondLst>
+                <p:cond evt="onNext" delay="0">
+                  <p:tgtEl>
+                    <p:sldTgt/>
+                  </p:tgtEl>
+                </p:cond>
+              </p:nextCondLst>
+            </p:seq>
+          </p:childTnLst>
+        </p:cTn>
+      </p:par>
+    </p:tnLst>
+  </p:timing>
+</p:sld>
+</file>
+
+<file path=ppt/slides/slide12.xml><?xml version="1.0" encoding="utf-8"?>
+<p:sld xmlns:a="http://schemas.openxmlformats.org/drawingml/2006/main" xmlns:r="http://schemas.openxmlformats.org/officeDocument/2006/relationships" xmlns:p="http://schemas.openxmlformats.org/presentationml/2006/main">
+  <p:cSld>
+    <p:bg>
+      <p:bgPr>
+        <a:solidFill>
+          <a:schemeClr val="bg2"/>
+        </a:solidFill>
+        <a:effectLst/>
+      </p:bgPr>
+    </p:bg>
+    <p:spTree>
+      <p:nvGrpSpPr>
+        <p:cNvPr id="1" name=""/>
+        <p:cNvGrpSpPr/>
+        <p:nvPr/>
+      </p:nvGrpSpPr>
+      <p:grpSpPr>
+        <a:xfrm>
+          <a:off x="0" y="0"/>
+          <a:ext cx="0" cy="0"/>
+          <a:chOff x="0" y="0"/>
+          <a:chExt cx="0" cy="0"/>
+        </a:xfrm>
+      </p:grpSpPr>
+      <p:sp>
+        <p:nvSpPr>
+          <p:cNvPr id="8" name="Rectangle 7">
+            <a:extLst>
+              <a:ext uri="{FF2B5EF4-FFF2-40B4-BE49-F238E27FC236}">
+                <a16:creationId xmlns:a16="http://schemas.microsoft.com/office/drawing/2014/main" id="{5BE2A49E-0BD9-321C-F602-AFA2FCF9B27B}"/>
+              </a:ext>
+              <a:ext uri="{C183D7F6-B498-43B3-948B-1728B52AA6E4}">
+                <adec:decorative xmlns:adec="http://schemas.microsoft.com/office/drawing/2017/decorative" val="1"/>
+              </a:ext>
+            </a:extLst>
+          </p:cNvPr>
+          <p:cNvSpPr>
+            <a:spLocks noGrp="1" noRot="1" noChangeAspect="1" noMove="1" noResize="1" noEditPoints="1" noAdjustHandles="1" noChangeArrowheads="1" noChangeShapeType="1" noTextEdit="1"/>
+          </p:cNvSpPr>
+          <p:nvPr>
+            <p:extLst>
+              <p:ext uri="{386F3935-93C4-4BCD-93E2-E3B085C9AB24}">
+                <p16:designElem xmlns:p16="http://schemas.microsoft.com/office/powerpoint/2015/main" val="1"/>
+              </p:ext>
+            </p:extLst>
+          </p:nvPr>
+        </p:nvSpPr>
+        <p:spPr>
+          <a:xfrm>
+            <a:off x="933198" y="931857"/>
+            <a:ext cx="10326946" cy="4996302"/>
+          </a:xfrm>
+          <a:prstGeom prst="rect">
+            <a:avLst/>
+          </a:prstGeom>
+          <a:noFill/>
+          <a:ln w="38100">
+            <a:solidFill>
+              <a:schemeClr val="accent1">
+                <a:lumMod val="60000"/>
+                <a:lumOff val="40000"/>
+              </a:schemeClr>
+            </a:solidFill>
+          </a:ln>
+        </p:spPr>
+        <p:style>
+          <a:lnRef idx="2">
+            <a:schemeClr val="accent1">
+              <a:shade val="50000"/>
+            </a:schemeClr>
+          </a:lnRef>
+          <a:fillRef idx="1">
+            <a:schemeClr val="accent1"/>
+          </a:fillRef>
+          <a:effectRef idx="0">
+            <a:schemeClr val="accent1"/>
+          </a:effectRef>
+          <a:fontRef idx="minor">
+            <a:schemeClr val="lt1"/>
+          </a:fontRef>
+        </p:style>
+        <p:txBody>
+          <a:bodyPr rtlCol="0" anchor="ctr"/>
+          <a:lstStyle/>
+          <a:p>
+            <a:pPr algn="ctr"/>
+            <a:endParaRPr lang="en-US"/>
+          </a:p>
+        </p:txBody>
+      </p:sp>
+      <p:sp useBgFill="1">
+        <p:nvSpPr>
+          <p:cNvPr id="10" name="Rectangle 9">
+            <a:extLst>
+              <a:ext uri="{FF2B5EF4-FFF2-40B4-BE49-F238E27FC236}">
+                <a16:creationId xmlns:a16="http://schemas.microsoft.com/office/drawing/2014/main" id="{298610F1-E865-734C-A01F-A818EC23E67E}"/>
+              </a:ext>
+              <a:ext uri="{C183D7F6-B498-43B3-948B-1728B52AA6E4}">
+                <adec:decorative xmlns:adec="http://schemas.microsoft.com/office/drawing/2017/decorative" val="1"/>
+              </a:ext>
+            </a:extLst>
+          </p:cNvPr>
+          <p:cNvSpPr>
+            <a:spLocks noGrp="1" noRot="1" noChangeAspect="1" noMove="1" noResize="1" noEditPoints="1" noAdjustHandles="1" noChangeArrowheads="1" noChangeShapeType="1" noTextEdit="1"/>
+          </p:cNvSpPr>
+          <p:nvPr>
+            <p:extLst>
+              <p:ext uri="{386F3935-93C4-4BCD-93E2-E3B085C9AB24}">
+                <p16:designElem xmlns:p16="http://schemas.microsoft.com/office/powerpoint/2015/main" val="1"/>
+              </p:ext>
+            </p:extLst>
+          </p:nvPr>
+        </p:nvSpPr>
+        <p:spPr>
+          <a:xfrm>
+            <a:off x="0" y="0"/>
+            <a:ext cx="12192000" cy="6858000"/>
+          </a:xfrm>
+          <a:prstGeom prst="rect">
+            <a:avLst/>
+          </a:prstGeom>
+          <a:ln w="12700" cap="flat" cmpd="sng" algn="ctr">
+            <a:noFill/>
+            <a:prstDash val="solid"/>
+            <a:miter lim="800000"/>
+          </a:ln>
+          <a:effectLst/>
+          <a:extLst>
+            <a:ext uri="{91240B29-F687-4F45-9708-019B960494DF}">
+              <a14:hiddenLine xmlns:a14="http://schemas.microsoft.com/office/drawing/2010/main" w="12700" cap="flat" cmpd="sng" algn="ctr">
+                <a:solidFill>
+                  <a:schemeClr val="accent1">
+                    <a:shade val="50000"/>
+                  </a:schemeClr>
+                </a:solidFill>
+                <a:prstDash val="solid"/>
+                <a:miter lim="800000"/>
+              </a14:hiddenLine>
+            </a:ext>
+          </a:extLst>
+        </p:spPr>
+        <p:style>
+          <a:lnRef idx="2">
+            <a:schemeClr val="accent1">
+              <a:shade val="50000"/>
+            </a:schemeClr>
+          </a:lnRef>
+          <a:fillRef idx="1">
+            <a:schemeClr val="accent1"/>
+          </a:fillRef>
+          <a:effectRef idx="0">
+            <a:schemeClr val="accent1"/>
+          </a:effectRef>
+          <a:fontRef idx="minor">
+            <a:schemeClr val="lt1"/>
+          </a:fontRef>
+        </p:style>
+        <p:txBody>
+          <a:bodyPr rtlCol="0" anchor="ctr"/>
+          <a:lstStyle/>
+          <a:p>
+            <a:pPr algn="ctr"/>
+            <a:endParaRPr lang="en-US"/>
+          </a:p>
+        </p:txBody>
+      </p:sp>
+      <p:sp>
+        <p:nvSpPr>
+          <p:cNvPr id="12" name="Rectangle 11">
+            <a:extLst>
+              <a:ext uri="{FF2B5EF4-FFF2-40B4-BE49-F238E27FC236}">
+                <a16:creationId xmlns:a16="http://schemas.microsoft.com/office/drawing/2014/main" id="{F502EAEE-449D-202E-8B05-B5860AE03115}"/>
+              </a:ext>
+              <a:ext uri="{C183D7F6-B498-43B3-948B-1728B52AA6E4}">
+                <adec:decorative xmlns:adec="http://schemas.microsoft.com/office/drawing/2017/decorative" val="1"/>
+              </a:ext>
+            </a:extLst>
+          </p:cNvPr>
+          <p:cNvSpPr>
+            <a:spLocks noGrp="1" noRot="1" noChangeAspect="1" noMove="1" noResize="1" noEditPoints="1" noAdjustHandles="1" noChangeArrowheads="1" noChangeShapeType="1" noTextEdit="1"/>
+          </p:cNvSpPr>
+          <p:nvPr>
+            <p:extLst>
+              <p:ext uri="{386F3935-93C4-4BCD-93E2-E3B085C9AB24}">
+                <p16:designElem xmlns:p16="http://schemas.microsoft.com/office/powerpoint/2015/main" val="1"/>
+              </p:ext>
+            </p:extLst>
+          </p:nvPr>
+        </p:nvSpPr>
+        <p:spPr>
+          <a:xfrm>
+            <a:off x="1575230" y="933584"/>
+            <a:ext cx="5547293" cy="4971917"/>
+          </a:xfrm>
+          <a:prstGeom prst="rect">
+            <a:avLst/>
+          </a:prstGeom>
+          <a:noFill/>
+          <a:ln w="38100">
+            <a:solidFill>
+              <a:schemeClr val="accent1">
+                <a:lumMod val="60000"/>
+                <a:lumOff val="40000"/>
+              </a:schemeClr>
+            </a:solidFill>
+          </a:ln>
+        </p:spPr>
+        <p:style>
+          <a:lnRef idx="2">
+            <a:schemeClr val="accent1">
+              <a:shade val="50000"/>
+            </a:schemeClr>
+          </a:lnRef>
+          <a:fillRef idx="1">
+            <a:schemeClr val="accent1"/>
+          </a:fillRef>
+          <a:effectRef idx="0">
+            <a:schemeClr val="accent1"/>
+          </a:effectRef>
+          <a:fontRef idx="minor">
+            <a:schemeClr val="lt1"/>
+          </a:fontRef>
+        </p:style>
+        <p:txBody>
+          <a:bodyPr rtlCol="0" anchor="ctr"/>
+          <a:lstStyle/>
+          <a:p>
+            <a:pPr algn="ctr"/>
+            <a:endParaRPr lang="en-US"/>
+          </a:p>
+        </p:txBody>
+      </p:sp>
+      <p:sp>
+        <p:nvSpPr>
+          <p:cNvPr id="2" name="Title 1">
+            <a:extLst>
+              <a:ext uri="{FF2B5EF4-FFF2-40B4-BE49-F238E27FC236}">
+                <a16:creationId xmlns:a16="http://schemas.microsoft.com/office/drawing/2014/main" id="{CB80AAA7-D417-292B-92A5-169BD3603510}"/>
+              </a:ext>
+            </a:extLst>
+          </p:cNvPr>
+          <p:cNvSpPr>
+            <a:spLocks noGrp="1"/>
+          </p:cNvSpPr>
+          <p:nvPr>
+            <p:ph type="title"/>
+          </p:nvPr>
+        </p:nvSpPr>
+        <p:spPr>
+          <a:xfrm>
+            <a:off x="7553981" y="1597224"/>
+            <a:ext cx="4348195" cy="1831776"/>
+          </a:xfrm>
+        </p:spPr>
+        <p:txBody>
+          <a:bodyPr vert="horz" lIns="91440" tIns="45720" rIns="91440" bIns="45720" rtlCol="0" anchor="ctr">
+            <a:normAutofit/>
+          </a:bodyPr>
+          <a:lstStyle/>
+          <a:p>
+            <a:r>
+              <a:rPr lang="en-US" sz="3200" spc="530" dirty="0"/>
+              <a:t>Git and Bash</a:t>
+            </a:r>
+          </a:p>
+        </p:txBody>
+      </p:sp>
+      <p:pic>
+        <p:nvPicPr>
+          <p:cNvPr id="3" name="Picture 2">
+            <a:extLst>
+              <a:ext uri="{FF2B5EF4-FFF2-40B4-BE49-F238E27FC236}">
+                <a16:creationId xmlns:a16="http://schemas.microsoft.com/office/drawing/2014/main" id="{49DC0948-E44B-585D-2B43-B7C5C49F5A00}"/>
+              </a:ext>
+            </a:extLst>
+          </p:cNvPr>
+          <p:cNvPicPr>
+            <a:picLocks noChangeAspect="1"/>
+          </p:cNvPicPr>
+          <p:nvPr/>
+        </p:nvPicPr>
+        <p:blipFill>
+          <a:blip r:embed="rId2"/>
+          <a:stretch>
+            <a:fillRect/>
+          </a:stretch>
+        </p:blipFill>
+        <p:spPr>
+          <a:xfrm>
+            <a:off x="1639726" y="1035430"/>
+            <a:ext cx="5439933" cy="4787140"/>
+          </a:xfrm>
+          <a:prstGeom prst="rect">
+            <a:avLst/>
+          </a:prstGeom>
+        </p:spPr>
+      </p:pic>
+    </p:spTree>
+    <p:extLst>
+      <p:ext uri="{BB962C8B-B14F-4D97-AF65-F5344CB8AC3E}">
+        <p14:creationId xmlns:p14="http://schemas.microsoft.com/office/powerpoint/2010/main" val="2432988771"/>
       </p:ext>
     </p:extLst>
   </p:cSld>
@@ -9192,14 +10691,6 @@
 <file path=ppt/slides/slide9.xml><?xml version="1.0" encoding="utf-8"?>
 <p:sld xmlns:a="http://schemas.openxmlformats.org/drawingml/2006/main" xmlns:r="http://schemas.openxmlformats.org/officeDocument/2006/relationships" xmlns:p="http://schemas.openxmlformats.org/presentationml/2006/main">
   <p:cSld>
-    <p:bg>
-      <p:bgPr>
-        <a:solidFill>
-          <a:schemeClr val="bg2"/>
-        </a:solidFill>
-        <a:effectLst/>
-      </p:bgPr>
-    </p:bg>
     <p:spTree>
       <p:nvGrpSpPr>
         <p:cNvPr id="1" name=""/>
@@ -9216,315 +10707,195 @@
       </p:grpSpPr>
       <p:sp>
         <p:nvSpPr>
-          <p:cNvPr id="15" name="Rectangle 14">
-            <a:extLst>
-              <a:ext uri="{FF2B5EF4-FFF2-40B4-BE49-F238E27FC236}">
-                <a16:creationId xmlns:a16="http://schemas.microsoft.com/office/drawing/2014/main" id="{5BE2A49E-0BD9-321C-F602-AFA2FCF9B27B}"/>
-              </a:ext>
-              <a:ext uri="{C183D7F6-B498-43B3-948B-1728B52AA6E4}">
-                <adec:decorative xmlns:adec="http://schemas.microsoft.com/office/drawing/2017/decorative" val="1"/>
-              </a:ext>
-            </a:extLst>
-          </p:cNvPr>
-          <p:cNvSpPr>
-            <a:spLocks noGrp="1" noRot="1" noChangeAspect="1" noMove="1" noResize="1" noEditPoints="1" noAdjustHandles="1" noChangeArrowheads="1" noChangeShapeType="1" noTextEdit="1"/>
-          </p:cNvSpPr>
-          <p:nvPr>
-            <p:extLst>
-              <p:ext uri="{386F3935-93C4-4BCD-93E2-E3B085C9AB24}">
-                <p16:designElem xmlns:p16="http://schemas.microsoft.com/office/powerpoint/2015/main" val="1"/>
-              </p:ext>
-            </p:extLst>
-          </p:nvPr>
-        </p:nvSpPr>
-        <p:spPr>
-          <a:xfrm>
-            <a:off x="933198" y="931857"/>
-            <a:ext cx="10326946" cy="4996302"/>
+          <p:cNvPr id="2" name="Title 1">
+            <a:extLst>
+              <a:ext uri="{FF2B5EF4-FFF2-40B4-BE49-F238E27FC236}">
+                <a16:creationId xmlns:a16="http://schemas.microsoft.com/office/drawing/2014/main" id="{B6132D28-0C6B-AD63-040F-2C8C81AFC840}"/>
+              </a:ext>
+            </a:extLst>
+          </p:cNvPr>
+          <p:cNvSpPr>
+            <a:spLocks noGrp="1"/>
+          </p:cNvSpPr>
+          <p:nvPr>
+            <p:ph type="title"/>
+          </p:nvPr>
+        </p:nvSpPr>
+        <p:spPr/>
+        <p:txBody>
+          <a:bodyPr/>
+          <a:lstStyle/>
+          <a:p>
+            <a:r>
+              <a:rPr lang="en-US" dirty="0"/>
+              <a:t>What we are going to teach you</a:t>
+            </a:r>
+          </a:p>
+        </p:txBody>
+      </p:sp>
+      <p:sp>
+        <p:nvSpPr>
+          <p:cNvPr id="3" name="TextBox 2">
+            <a:extLst>
+              <a:ext uri="{FF2B5EF4-FFF2-40B4-BE49-F238E27FC236}">
+                <a16:creationId xmlns:a16="http://schemas.microsoft.com/office/drawing/2014/main" id="{18458DE6-21FC-424D-775C-2485880F304C}"/>
+              </a:ext>
+            </a:extLst>
+          </p:cNvPr>
+          <p:cNvSpPr txBox="1"/>
+          <p:nvPr/>
+        </p:nvSpPr>
+        <p:spPr>
+          <a:xfrm>
+            <a:off x="1594047" y="2564199"/>
+            <a:ext cx="9164441" cy="2769989"/>
           </a:xfrm>
           <a:prstGeom prst="rect">
             <a:avLst/>
           </a:prstGeom>
           <a:noFill/>
-          <a:ln w="38100">
-            <a:solidFill>
-              <a:schemeClr val="accent1">
-                <a:lumMod val="60000"/>
-                <a:lumOff val="40000"/>
-              </a:schemeClr>
-            </a:solidFill>
-          </a:ln>
-        </p:spPr>
-        <p:style>
-          <a:lnRef idx="2">
-            <a:schemeClr val="accent1">
-              <a:shade val="50000"/>
-            </a:schemeClr>
-          </a:lnRef>
-          <a:fillRef idx="1">
-            <a:schemeClr val="accent1"/>
-          </a:fillRef>
-          <a:effectRef idx="0">
-            <a:schemeClr val="accent1"/>
-          </a:effectRef>
-          <a:fontRef idx="minor">
-            <a:schemeClr val="lt1"/>
-          </a:fontRef>
-        </p:style>
-        <p:txBody>
-          <a:bodyPr rtlCol="0" anchor="ctr"/>
-          <a:lstStyle/>
-          <a:p>
-            <a:pPr algn="ctr"/>
-            <a:endParaRPr lang="en-US"/>
-          </a:p>
-        </p:txBody>
-      </p:sp>
-      <p:sp useBgFill="1">
-        <p:nvSpPr>
-          <p:cNvPr id="16" name="Rectangle 15">
-            <a:extLst>
-              <a:ext uri="{FF2B5EF4-FFF2-40B4-BE49-F238E27FC236}">
-                <a16:creationId xmlns:a16="http://schemas.microsoft.com/office/drawing/2014/main" id="{2D0267C2-9A87-5888-0384-969AD9365463}"/>
-              </a:ext>
-              <a:ext uri="{C183D7F6-B498-43B3-948B-1728B52AA6E4}">
-                <adec:decorative xmlns:adec="http://schemas.microsoft.com/office/drawing/2017/decorative" val="1"/>
-              </a:ext>
-            </a:extLst>
-          </p:cNvPr>
-          <p:cNvSpPr>
-            <a:spLocks noGrp="1" noRot="1" noChangeAspect="1" noMove="1" noResize="1" noEditPoints="1" noAdjustHandles="1" noChangeArrowheads="1" noChangeShapeType="1" noTextEdit="1"/>
-          </p:cNvSpPr>
-          <p:nvPr>
-            <p:extLst>
-              <p:ext uri="{386F3935-93C4-4BCD-93E2-E3B085C9AB24}">
-                <p16:designElem xmlns:p16="http://schemas.microsoft.com/office/powerpoint/2015/main" val="1"/>
-              </p:ext>
-            </p:extLst>
-          </p:nvPr>
-        </p:nvSpPr>
-        <p:spPr>
-          <a:xfrm>
-            <a:off x="0" y="0"/>
-            <a:ext cx="12192000" cy="6858000"/>
-          </a:xfrm>
-          <a:prstGeom prst="rect">
-            <a:avLst/>
-          </a:prstGeom>
-          <a:ln w="12700" cap="flat" cmpd="sng" algn="ctr">
-            <a:noFill/>
-            <a:prstDash val="solid"/>
-            <a:miter lim="800000"/>
-          </a:ln>
-          <a:effectLst/>
-        </p:spPr>
-        <p:style>
-          <a:lnRef idx="2">
-            <a:schemeClr val="accent1">
-              <a:shade val="50000"/>
-            </a:schemeClr>
-          </a:lnRef>
-          <a:fillRef idx="1">
-            <a:schemeClr val="accent1"/>
-          </a:fillRef>
-          <a:effectRef idx="0">
-            <a:schemeClr val="accent1"/>
-          </a:effectRef>
-          <a:fontRef idx="minor">
-            <a:schemeClr val="lt1"/>
-          </a:fontRef>
-        </p:style>
-        <p:txBody>
-          <a:bodyPr rtlCol="0" anchor="ctr"/>
-          <a:lstStyle/>
-          <a:p>
-            <a:pPr algn="ctr"/>
-            <a:endParaRPr lang="en-US"/>
-          </a:p>
-        </p:txBody>
-      </p:sp>
-      <p:sp>
-        <p:nvSpPr>
-          <p:cNvPr id="17" name="Rectangle 16">
-            <a:extLst>
-              <a:ext uri="{FF2B5EF4-FFF2-40B4-BE49-F238E27FC236}">
-                <a16:creationId xmlns:a16="http://schemas.microsoft.com/office/drawing/2014/main" id="{E4AEFA6A-E623-CF1A-3DDF-C38D3A7E2CE2}"/>
-              </a:ext>
-              <a:ext uri="{C183D7F6-B498-43B3-948B-1728B52AA6E4}">
-                <adec:decorative xmlns:adec="http://schemas.microsoft.com/office/drawing/2017/decorative" val="1"/>
-              </a:ext>
-            </a:extLst>
-          </p:cNvPr>
-          <p:cNvSpPr>
-            <a:spLocks noGrp="1" noRot="1" noChangeAspect="1" noMove="1" noResize="1" noEditPoints="1" noAdjustHandles="1" noChangeArrowheads="1" noChangeShapeType="1" noTextEdit="1"/>
-          </p:cNvSpPr>
-          <p:nvPr>
-            <p:extLst>
-              <p:ext uri="{386F3935-93C4-4BCD-93E2-E3B085C9AB24}">
-                <p16:designElem xmlns:p16="http://schemas.microsoft.com/office/powerpoint/2015/main" val="1"/>
-              </p:ext>
-            </p:extLst>
-          </p:nvPr>
-        </p:nvSpPr>
-        <p:spPr>
-          <a:xfrm>
-            <a:off x="938570" y="930513"/>
-            <a:ext cx="3740452" cy="4989589"/>
-          </a:xfrm>
-          <a:prstGeom prst="rect">
-            <a:avLst/>
-          </a:prstGeom>
-          <a:noFill/>
-          <a:ln w="38100">
-            <a:solidFill>
-              <a:schemeClr val="accent1">
-                <a:lumMod val="60000"/>
-                <a:lumOff val="40000"/>
-              </a:schemeClr>
-            </a:solidFill>
-          </a:ln>
-        </p:spPr>
-        <p:style>
-          <a:lnRef idx="2">
-            <a:schemeClr val="accent1">
-              <a:shade val="50000"/>
-            </a:schemeClr>
-          </a:lnRef>
-          <a:fillRef idx="1">
-            <a:schemeClr val="accent1"/>
-          </a:fillRef>
-          <a:effectRef idx="0">
-            <a:schemeClr val="accent1"/>
-          </a:effectRef>
-          <a:fontRef idx="minor">
-            <a:schemeClr val="lt1"/>
-          </a:fontRef>
-        </p:style>
-        <p:txBody>
-          <a:bodyPr rtlCol="0" anchor="ctr"/>
-          <a:lstStyle/>
-          <a:p>
-            <a:pPr algn="ctr"/>
-            <a:endParaRPr lang="en-US"/>
-          </a:p>
-        </p:txBody>
-      </p:sp>
-      <p:sp>
-        <p:nvSpPr>
-          <p:cNvPr id="2" name="Title 1">
-            <a:extLst>
-              <a:ext uri="{FF2B5EF4-FFF2-40B4-BE49-F238E27FC236}">
-                <a16:creationId xmlns:a16="http://schemas.microsoft.com/office/drawing/2014/main" id="{D707FECF-574B-CCB5-64C0-4CFE2E45054C}"/>
-              </a:ext>
-            </a:extLst>
-          </p:cNvPr>
-          <p:cNvSpPr>
-            <a:spLocks noGrp="1"/>
-          </p:cNvSpPr>
-          <p:nvPr>
-            <p:ph type="title"/>
-          </p:nvPr>
-        </p:nvSpPr>
-        <p:spPr>
-          <a:xfrm>
-            <a:off x="938570" y="2771774"/>
-            <a:ext cx="3355901" cy="1828800"/>
-          </a:xfrm>
-        </p:spPr>
-        <p:txBody>
-          <a:bodyPr vert="horz" lIns="91440" tIns="45720" rIns="91440" bIns="45720" rtlCol="0" anchor="b">
-            <a:normAutofit/>
+        </p:spPr>
+        <p:txBody>
+          <a:bodyPr wrap="square" numCol="2" rtlCol="0">
+            <a:spAutoFit/>
           </a:bodyPr>
           <a:lstStyle/>
           <a:p>
-            <a:r>
-              <a:rPr lang="en-US" sz="3200" spc="530" dirty="0"/>
-              <a:t>Bash: Command line tools</a:t>
-            </a:r>
-          </a:p>
-        </p:txBody>
-      </p:sp>
-      <p:pic>
-        <p:nvPicPr>
-          <p:cNvPr id="4" name="Picture 3" descr="A person and a child talking&#10;&#10;AI-generated content may be incorrect.">
-            <a:extLst>
-              <a:ext uri="{FF2B5EF4-FFF2-40B4-BE49-F238E27FC236}">
-                <a16:creationId xmlns:a16="http://schemas.microsoft.com/office/drawing/2014/main" id="{194ECBD1-3B89-4BE1-1F15-3C8DA3E70BAF}"/>
-              </a:ext>
-            </a:extLst>
-          </p:cNvPr>
-          <p:cNvPicPr>
-            <a:picLocks noChangeAspect="1"/>
-          </p:cNvPicPr>
-          <p:nvPr/>
-        </p:nvPicPr>
-        <p:blipFill>
-          <a:blip r:embed="rId2"/>
-          <a:stretch>
-            <a:fillRect/>
-          </a:stretch>
-        </p:blipFill>
-        <p:spPr>
-          <a:xfrm>
-            <a:off x="5586770" y="1885362"/>
-            <a:ext cx="5690830" cy="3087275"/>
-          </a:xfrm>
-          <a:prstGeom prst="rect">
-            <a:avLst/>
-          </a:prstGeom>
-        </p:spPr>
-      </p:pic>
-      <p:pic>
-        <p:nvPicPr>
-          <p:cNvPr id="1026" name="Picture 2" descr="Wax On, Wax Off: The Way to Movement Mastery? | Football Beyond The Stats">
-            <a:extLst>
-              <a:ext uri="{FF2B5EF4-FFF2-40B4-BE49-F238E27FC236}">
-                <a16:creationId xmlns:a16="http://schemas.microsoft.com/office/drawing/2014/main" id="{D1709624-9207-2389-13A2-A5DB417DC9BC}"/>
-              </a:ext>
-            </a:extLst>
-          </p:cNvPr>
-          <p:cNvPicPr>
-            <a:picLocks noChangeAspect="1" noChangeArrowheads="1"/>
-          </p:cNvPicPr>
-          <p:nvPr/>
-        </p:nvPicPr>
-        <p:blipFill>
-          <a:blip r:embed="rId3">
-            <a:extLst>
-              <a:ext uri="{28A0092B-C50C-407E-A947-70E740481C1C}">
-                <a14:useLocalDpi xmlns:a14="http://schemas.microsoft.com/office/drawing/2010/main" val="0"/>
-              </a:ext>
-            </a:extLst>
-          </a:blip>
-          <a:srcRect/>
-          <a:stretch>
-            <a:fillRect/>
-          </a:stretch>
-        </p:blipFill>
-        <p:spPr bwMode="auto">
-          <a:xfrm>
-            <a:off x="5457228" y="1218608"/>
-            <a:ext cx="5995191" cy="4413398"/>
-          </a:xfrm>
-          <a:prstGeom prst="rect">
-            <a:avLst/>
-          </a:prstGeom>
-          <a:noFill/>
-          <a:extLst>
-            <a:ext uri="{909E8E84-426E-40DD-AFC4-6F175D3DCCD1}">
-              <a14:hiddenFill xmlns:a14="http://schemas.microsoft.com/office/drawing/2010/main">
-                <a:solidFill>
-                  <a:srgbClr val="FFFFFF"/>
-                </a:solidFill>
-              </a14:hiddenFill>
-            </a:ext>
-          </a:extLst>
-        </p:spPr>
-      </p:pic>
+            <a:pPr marL="342900" indent="-342900">
+              <a:lnSpc>
+                <a:spcPct val="125000"/>
+              </a:lnSpc>
+              <a:buFont typeface="+mj-lt"/>
+              <a:buAutoNum type="arabicPeriod"/>
+            </a:pPr>
+            <a:r>
+              <a:rPr lang="en-US" sz="2400" dirty="0"/>
+              <a:t>Python, Bash &amp; Git</a:t>
+            </a:r>
+          </a:p>
+          <a:p>
+            <a:pPr marL="342900" indent="-342900">
+              <a:lnSpc>
+                <a:spcPct val="125000"/>
+              </a:lnSpc>
+              <a:buFont typeface="+mj-lt"/>
+              <a:buAutoNum type="arabicPeriod"/>
+            </a:pPr>
+            <a:r>
+              <a:rPr lang="en-US" sz="2400" dirty="0"/>
+              <a:t>How to work with data</a:t>
+            </a:r>
+          </a:p>
+          <a:p>
+            <a:pPr marL="342900" indent="-342900">
+              <a:lnSpc>
+                <a:spcPct val="125000"/>
+              </a:lnSpc>
+              <a:buFont typeface="+mj-lt"/>
+              <a:buAutoNum type="arabicPeriod"/>
+            </a:pPr>
+            <a:r>
+              <a:rPr lang="en-US" sz="2400" dirty="0"/>
+              <a:t>Computer Vision and CNN</a:t>
+            </a:r>
+          </a:p>
+          <a:p>
+            <a:pPr marL="342900" indent="-342900">
+              <a:lnSpc>
+                <a:spcPct val="125000"/>
+              </a:lnSpc>
+              <a:buFont typeface="+mj-lt"/>
+              <a:buAutoNum type="arabicPeriod"/>
+            </a:pPr>
+            <a:r>
+              <a:rPr lang="en-US" sz="2400" dirty="0"/>
+              <a:t>NLP and transformers</a:t>
+            </a:r>
+          </a:p>
+          <a:p>
+            <a:pPr marL="342900" indent="-342900">
+              <a:lnSpc>
+                <a:spcPct val="125000"/>
+              </a:lnSpc>
+              <a:buFont typeface="+mj-lt"/>
+              <a:buAutoNum type="arabicPeriod"/>
+            </a:pPr>
+            <a:r>
+              <a:rPr lang="en-US" sz="2400" dirty="0"/>
+              <a:t>OpenAI API and chatbots</a:t>
+            </a:r>
+          </a:p>
+          <a:p>
+            <a:pPr marL="342900" indent="-342900">
+              <a:lnSpc>
+                <a:spcPct val="125000"/>
+              </a:lnSpc>
+              <a:buFont typeface="+mj-lt"/>
+              <a:buAutoNum type="arabicPeriod"/>
+            </a:pPr>
+            <a:r>
+              <a:rPr lang="en-US" sz="2400" dirty="0"/>
+              <a:t>RAG</a:t>
+            </a:r>
+          </a:p>
+          <a:p>
+            <a:pPr marL="342900" indent="-342900">
+              <a:lnSpc>
+                <a:spcPct val="125000"/>
+              </a:lnSpc>
+              <a:buFont typeface="+mj-lt"/>
+              <a:buAutoNum type="arabicPeriod"/>
+            </a:pPr>
+            <a:r>
+              <a:rPr lang="en-US" sz="2400" dirty="0" err="1"/>
+              <a:t>Langchain</a:t>
+            </a:r>
+            <a:endParaRPr lang="en-US" sz="2400" dirty="0"/>
+          </a:p>
+          <a:p>
+            <a:pPr marL="342900" indent="-342900">
+              <a:lnSpc>
+                <a:spcPct val="125000"/>
+              </a:lnSpc>
+              <a:buFont typeface="+mj-lt"/>
+              <a:buAutoNum type="arabicPeriod"/>
+            </a:pPr>
+            <a:r>
+              <a:rPr lang="en-US" sz="2400" dirty="0"/>
+              <a:t>Agents</a:t>
+            </a:r>
+          </a:p>
+          <a:p>
+            <a:pPr marL="342900" indent="-342900">
+              <a:lnSpc>
+                <a:spcPct val="125000"/>
+              </a:lnSpc>
+              <a:buFont typeface="+mj-lt"/>
+              <a:buAutoNum type="arabicPeriod"/>
+            </a:pPr>
+            <a:r>
+              <a:rPr lang="en-US" sz="2400" dirty="0"/>
+              <a:t>Intro to ML/AI deployment and </a:t>
+            </a:r>
+            <a:r>
+              <a:rPr lang="en-US" sz="2400" dirty="0" err="1"/>
+              <a:t>MLOps</a:t>
+            </a:r>
+            <a:endParaRPr lang="en-US" sz="2400" dirty="0"/>
+          </a:p>
+          <a:p>
+            <a:pPr marL="342900" indent="-342900">
+              <a:buFont typeface="+mj-lt"/>
+              <a:buAutoNum type="arabicPeriod"/>
+            </a:pPr>
+            <a:endParaRPr lang="en-US" sz="2400" dirty="0"/>
+          </a:p>
+        </p:txBody>
+      </p:sp>
     </p:spTree>
     <p:extLst>
       <p:ext uri="{BB962C8B-B14F-4D97-AF65-F5344CB8AC3E}">
-        <p14:creationId xmlns:p14="http://schemas.microsoft.com/office/powerpoint/2010/main" val="930671219"/>
+        <p14:creationId xmlns:p14="http://schemas.microsoft.com/office/powerpoint/2010/main" val="2576420074"/>
       </p:ext>
     </p:extLst>
   </p:cSld>
@@ -9552,7 +10923,7 @@
                             </p:stCondLst>
                             <p:childTnLst>
                               <p:par>
-                                <p:cTn id="5" presetID="1" presetClass="entr" presetSubtype="0" fill="hold" nodeType="clickEffect">
+                                <p:cTn id="5" presetID="9" presetClass="entr" presetSubtype="0" fill="hold" nodeType="clickEffect">
                                   <p:stCondLst>
                                     <p:cond delay="0"/>
                                   </p:stCondLst>
@@ -9565,7 +10936,11 @@
                                           </p:stCondLst>
                                         </p:cTn>
                                         <p:tgtEl>
-                                          <p:spTgt spid="4"/>
+                                          <p:spTgt spid="3">
+                                            <p:txEl>
+                                              <p:pRg st="0" end="0"/>
+                                            </p:txEl>
+                                          </p:spTgt>
                                         </p:tgtEl>
                                         <p:attrNameLst>
                                           <p:attrName>style.visibility</p:attrName>
@@ -9575,6 +10950,18 @@
                                         <p:strVal val="visible"/>
                                       </p:to>
                                     </p:set>
+                                    <p:animEffect transition="in" filter="dissolve">
+                                      <p:cBhvr>
+                                        <p:cTn id="7" dur="500"/>
+                                        <p:tgtEl>
+                                          <p:spTgt spid="3">
+                                            <p:txEl>
+                                              <p:pRg st="0" end="0"/>
+                                            </p:txEl>
+                                          </p:spTgt>
+                                        </p:tgtEl>
+                                      </p:cBhvr>
+                                    </p:animEffect>
                                   </p:childTnLst>
                                 </p:cTn>
                               </p:par>
@@ -9585,32 +10972,36 @@
                     </p:cTn>
                   </p:par>
                   <p:par>
-                    <p:cTn id="7" fill="hold">
+                    <p:cTn id="8" fill="hold">
                       <p:stCondLst>
                         <p:cond delay="indefinite"/>
                       </p:stCondLst>
                       <p:childTnLst>
                         <p:par>
-                          <p:cTn id="8" fill="hold">
+                          <p:cTn id="9" fill="hold">
                             <p:stCondLst>
                               <p:cond delay="0"/>
                             </p:stCondLst>
                             <p:childTnLst>
                               <p:par>
-                                <p:cTn id="9" presetID="1" presetClass="entr" presetSubtype="0" fill="hold" nodeType="clickEffect">
+                                <p:cTn id="10" presetID="9" presetClass="entr" presetSubtype="0" fill="hold" nodeType="clickEffect">
                                   <p:stCondLst>
                                     <p:cond delay="0"/>
                                   </p:stCondLst>
                                   <p:childTnLst>
                                     <p:set>
                                       <p:cBhvr>
-                                        <p:cTn id="10" dur="1" fill="hold">
+                                        <p:cTn id="11" dur="1" fill="hold">
                                           <p:stCondLst>
                                             <p:cond delay="0"/>
                                           </p:stCondLst>
                                         </p:cTn>
                                         <p:tgtEl>
-                                          <p:spTgt spid="1026"/>
+                                          <p:spTgt spid="3">
+                                            <p:txEl>
+                                              <p:pRg st="1" end="1"/>
+                                            </p:txEl>
+                                          </p:spTgt>
                                         </p:tgtEl>
                                         <p:attrNameLst>
                                           <p:attrName>style.visibility</p:attrName>
@@ -9620,6 +11011,445 @@
                                         <p:strVal val="visible"/>
                                       </p:to>
                                     </p:set>
+                                    <p:animEffect transition="in" filter="dissolve">
+                                      <p:cBhvr>
+                                        <p:cTn id="12" dur="500"/>
+                                        <p:tgtEl>
+                                          <p:spTgt spid="3">
+                                            <p:txEl>
+                                              <p:pRg st="1" end="1"/>
+                                            </p:txEl>
+                                          </p:spTgt>
+                                        </p:tgtEl>
+                                      </p:cBhvr>
+                                    </p:animEffect>
+                                  </p:childTnLst>
+                                </p:cTn>
+                              </p:par>
+                            </p:childTnLst>
+                          </p:cTn>
+                        </p:par>
+                      </p:childTnLst>
+                    </p:cTn>
+                  </p:par>
+                  <p:par>
+                    <p:cTn id="13" fill="hold">
+                      <p:stCondLst>
+                        <p:cond delay="indefinite"/>
+                      </p:stCondLst>
+                      <p:childTnLst>
+                        <p:par>
+                          <p:cTn id="14" fill="hold">
+                            <p:stCondLst>
+                              <p:cond delay="0"/>
+                            </p:stCondLst>
+                            <p:childTnLst>
+                              <p:par>
+                                <p:cTn id="15" presetID="9" presetClass="entr" presetSubtype="0" fill="hold" nodeType="clickEffect">
+                                  <p:stCondLst>
+                                    <p:cond delay="0"/>
+                                  </p:stCondLst>
+                                  <p:childTnLst>
+                                    <p:set>
+                                      <p:cBhvr>
+                                        <p:cTn id="16" dur="1" fill="hold">
+                                          <p:stCondLst>
+                                            <p:cond delay="0"/>
+                                          </p:stCondLst>
+                                        </p:cTn>
+                                        <p:tgtEl>
+                                          <p:spTgt spid="3">
+                                            <p:txEl>
+                                              <p:pRg st="2" end="2"/>
+                                            </p:txEl>
+                                          </p:spTgt>
+                                        </p:tgtEl>
+                                        <p:attrNameLst>
+                                          <p:attrName>style.visibility</p:attrName>
+                                        </p:attrNameLst>
+                                      </p:cBhvr>
+                                      <p:to>
+                                        <p:strVal val="visible"/>
+                                      </p:to>
+                                    </p:set>
+                                    <p:animEffect transition="in" filter="dissolve">
+                                      <p:cBhvr>
+                                        <p:cTn id="17" dur="500"/>
+                                        <p:tgtEl>
+                                          <p:spTgt spid="3">
+                                            <p:txEl>
+                                              <p:pRg st="2" end="2"/>
+                                            </p:txEl>
+                                          </p:spTgt>
+                                        </p:tgtEl>
+                                      </p:cBhvr>
+                                    </p:animEffect>
+                                  </p:childTnLst>
+                                </p:cTn>
+                              </p:par>
+                            </p:childTnLst>
+                          </p:cTn>
+                        </p:par>
+                      </p:childTnLst>
+                    </p:cTn>
+                  </p:par>
+                  <p:par>
+                    <p:cTn id="18" fill="hold">
+                      <p:stCondLst>
+                        <p:cond delay="indefinite"/>
+                      </p:stCondLst>
+                      <p:childTnLst>
+                        <p:par>
+                          <p:cTn id="19" fill="hold">
+                            <p:stCondLst>
+                              <p:cond delay="0"/>
+                            </p:stCondLst>
+                            <p:childTnLst>
+                              <p:par>
+                                <p:cTn id="20" presetID="9" presetClass="entr" presetSubtype="0" fill="hold" nodeType="clickEffect">
+                                  <p:stCondLst>
+                                    <p:cond delay="0"/>
+                                  </p:stCondLst>
+                                  <p:childTnLst>
+                                    <p:set>
+                                      <p:cBhvr>
+                                        <p:cTn id="21" dur="1" fill="hold">
+                                          <p:stCondLst>
+                                            <p:cond delay="0"/>
+                                          </p:stCondLst>
+                                        </p:cTn>
+                                        <p:tgtEl>
+                                          <p:spTgt spid="3">
+                                            <p:txEl>
+                                              <p:pRg st="3" end="3"/>
+                                            </p:txEl>
+                                          </p:spTgt>
+                                        </p:tgtEl>
+                                        <p:attrNameLst>
+                                          <p:attrName>style.visibility</p:attrName>
+                                        </p:attrNameLst>
+                                      </p:cBhvr>
+                                      <p:to>
+                                        <p:strVal val="visible"/>
+                                      </p:to>
+                                    </p:set>
+                                    <p:animEffect transition="in" filter="dissolve">
+                                      <p:cBhvr>
+                                        <p:cTn id="22" dur="500"/>
+                                        <p:tgtEl>
+                                          <p:spTgt spid="3">
+                                            <p:txEl>
+                                              <p:pRg st="3" end="3"/>
+                                            </p:txEl>
+                                          </p:spTgt>
+                                        </p:tgtEl>
+                                      </p:cBhvr>
+                                    </p:animEffect>
+                                  </p:childTnLst>
+                                </p:cTn>
+                              </p:par>
+                            </p:childTnLst>
+                          </p:cTn>
+                        </p:par>
+                      </p:childTnLst>
+                    </p:cTn>
+                  </p:par>
+                  <p:par>
+                    <p:cTn id="23" fill="hold">
+                      <p:stCondLst>
+                        <p:cond delay="indefinite"/>
+                      </p:stCondLst>
+                      <p:childTnLst>
+                        <p:par>
+                          <p:cTn id="24" fill="hold">
+                            <p:stCondLst>
+                              <p:cond delay="0"/>
+                            </p:stCondLst>
+                            <p:childTnLst>
+                              <p:par>
+                                <p:cTn id="25" presetID="9" presetClass="entr" presetSubtype="0" fill="hold" nodeType="clickEffect">
+                                  <p:stCondLst>
+                                    <p:cond delay="0"/>
+                                  </p:stCondLst>
+                                  <p:childTnLst>
+                                    <p:set>
+                                      <p:cBhvr>
+                                        <p:cTn id="26" dur="1" fill="hold">
+                                          <p:stCondLst>
+                                            <p:cond delay="0"/>
+                                          </p:stCondLst>
+                                        </p:cTn>
+                                        <p:tgtEl>
+                                          <p:spTgt spid="3">
+                                            <p:txEl>
+                                              <p:pRg st="4" end="4"/>
+                                            </p:txEl>
+                                          </p:spTgt>
+                                        </p:tgtEl>
+                                        <p:attrNameLst>
+                                          <p:attrName>style.visibility</p:attrName>
+                                        </p:attrNameLst>
+                                      </p:cBhvr>
+                                      <p:to>
+                                        <p:strVal val="visible"/>
+                                      </p:to>
+                                    </p:set>
+                                    <p:animEffect transition="in" filter="dissolve">
+                                      <p:cBhvr>
+                                        <p:cTn id="27" dur="500"/>
+                                        <p:tgtEl>
+                                          <p:spTgt spid="3">
+                                            <p:txEl>
+                                              <p:pRg st="4" end="4"/>
+                                            </p:txEl>
+                                          </p:spTgt>
+                                        </p:tgtEl>
+                                      </p:cBhvr>
+                                    </p:animEffect>
+                                  </p:childTnLst>
+                                </p:cTn>
+                              </p:par>
+                            </p:childTnLst>
+                          </p:cTn>
+                        </p:par>
+                      </p:childTnLst>
+                    </p:cTn>
+                  </p:par>
+                  <p:par>
+                    <p:cTn id="28" fill="hold">
+                      <p:stCondLst>
+                        <p:cond delay="indefinite"/>
+                      </p:stCondLst>
+                      <p:childTnLst>
+                        <p:par>
+                          <p:cTn id="29" fill="hold">
+                            <p:stCondLst>
+                              <p:cond delay="0"/>
+                            </p:stCondLst>
+                            <p:childTnLst>
+                              <p:par>
+                                <p:cTn id="30" presetID="9" presetClass="entr" presetSubtype="0" fill="hold" nodeType="clickEffect">
+                                  <p:stCondLst>
+                                    <p:cond delay="0"/>
+                                  </p:stCondLst>
+                                  <p:childTnLst>
+                                    <p:set>
+                                      <p:cBhvr>
+                                        <p:cTn id="31" dur="1" fill="hold">
+                                          <p:stCondLst>
+                                            <p:cond delay="0"/>
+                                          </p:stCondLst>
+                                        </p:cTn>
+                                        <p:tgtEl>
+                                          <p:spTgt spid="3">
+                                            <p:txEl>
+                                              <p:pRg st="5" end="5"/>
+                                            </p:txEl>
+                                          </p:spTgt>
+                                        </p:tgtEl>
+                                        <p:attrNameLst>
+                                          <p:attrName>style.visibility</p:attrName>
+                                        </p:attrNameLst>
+                                      </p:cBhvr>
+                                      <p:to>
+                                        <p:strVal val="visible"/>
+                                      </p:to>
+                                    </p:set>
+                                    <p:animEffect transition="in" filter="dissolve">
+                                      <p:cBhvr>
+                                        <p:cTn id="32" dur="500"/>
+                                        <p:tgtEl>
+                                          <p:spTgt spid="3">
+                                            <p:txEl>
+                                              <p:pRg st="5" end="5"/>
+                                            </p:txEl>
+                                          </p:spTgt>
+                                        </p:tgtEl>
+                                      </p:cBhvr>
+                                    </p:animEffect>
+                                  </p:childTnLst>
+                                </p:cTn>
+                              </p:par>
+                            </p:childTnLst>
+                          </p:cTn>
+                        </p:par>
+                      </p:childTnLst>
+                    </p:cTn>
+                  </p:par>
+                  <p:par>
+                    <p:cTn id="33" fill="hold">
+                      <p:stCondLst>
+                        <p:cond delay="indefinite"/>
+                      </p:stCondLst>
+                      <p:childTnLst>
+                        <p:par>
+                          <p:cTn id="34" fill="hold">
+                            <p:stCondLst>
+                              <p:cond delay="0"/>
+                            </p:stCondLst>
+                            <p:childTnLst>
+                              <p:par>
+                                <p:cTn id="35" presetID="9" presetClass="entr" presetSubtype="0" fill="hold" nodeType="clickEffect">
+                                  <p:stCondLst>
+                                    <p:cond delay="0"/>
+                                  </p:stCondLst>
+                                  <p:childTnLst>
+                                    <p:set>
+                                      <p:cBhvr>
+                                        <p:cTn id="36" dur="1" fill="hold">
+                                          <p:stCondLst>
+                                            <p:cond delay="0"/>
+                                          </p:stCondLst>
+                                        </p:cTn>
+                                        <p:tgtEl>
+                                          <p:spTgt spid="3">
+                                            <p:txEl>
+                                              <p:pRg st="6" end="6"/>
+                                            </p:txEl>
+                                          </p:spTgt>
+                                        </p:tgtEl>
+                                        <p:attrNameLst>
+                                          <p:attrName>style.visibility</p:attrName>
+                                        </p:attrNameLst>
+                                      </p:cBhvr>
+                                      <p:to>
+                                        <p:strVal val="visible"/>
+                                      </p:to>
+                                    </p:set>
+                                    <p:animEffect transition="in" filter="dissolve">
+                                      <p:cBhvr>
+                                        <p:cTn id="37" dur="500"/>
+                                        <p:tgtEl>
+                                          <p:spTgt spid="3">
+                                            <p:txEl>
+                                              <p:pRg st="6" end="6"/>
+                                            </p:txEl>
+                                          </p:spTgt>
+                                        </p:tgtEl>
+                                      </p:cBhvr>
+                                    </p:animEffect>
+                                  </p:childTnLst>
+                                </p:cTn>
+                              </p:par>
+                            </p:childTnLst>
+                          </p:cTn>
+                        </p:par>
+                      </p:childTnLst>
+                    </p:cTn>
+                  </p:par>
+                  <p:par>
+                    <p:cTn id="38" fill="hold">
+                      <p:stCondLst>
+                        <p:cond delay="indefinite"/>
+                      </p:stCondLst>
+                      <p:childTnLst>
+                        <p:par>
+                          <p:cTn id="39" fill="hold">
+                            <p:stCondLst>
+                              <p:cond delay="0"/>
+                            </p:stCondLst>
+                            <p:childTnLst>
+                              <p:par>
+                                <p:cTn id="40" presetID="9" presetClass="entr" presetSubtype="0" fill="hold" nodeType="clickEffect">
+                                  <p:stCondLst>
+                                    <p:cond delay="0"/>
+                                  </p:stCondLst>
+                                  <p:childTnLst>
+                                    <p:set>
+                                      <p:cBhvr>
+                                        <p:cTn id="41" dur="1" fill="hold">
+                                          <p:stCondLst>
+                                            <p:cond delay="0"/>
+                                          </p:stCondLst>
+                                        </p:cTn>
+                                        <p:tgtEl>
+                                          <p:spTgt spid="3">
+                                            <p:txEl>
+                                              <p:pRg st="7" end="7"/>
+                                            </p:txEl>
+                                          </p:spTgt>
+                                        </p:tgtEl>
+                                        <p:attrNameLst>
+                                          <p:attrName>style.visibility</p:attrName>
+                                        </p:attrNameLst>
+                                      </p:cBhvr>
+                                      <p:to>
+                                        <p:strVal val="visible"/>
+                                      </p:to>
+                                    </p:set>
+                                    <p:animEffect transition="in" filter="dissolve">
+                                      <p:cBhvr>
+                                        <p:cTn id="42" dur="500"/>
+                                        <p:tgtEl>
+                                          <p:spTgt spid="3">
+                                            <p:txEl>
+                                              <p:pRg st="7" end="7"/>
+                                            </p:txEl>
+                                          </p:spTgt>
+                                        </p:tgtEl>
+                                      </p:cBhvr>
+                                    </p:animEffect>
+                                  </p:childTnLst>
+                                </p:cTn>
+                              </p:par>
+                            </p:childTnLst>
+                          </p:cTn>
+                        </p:par>
+                      </p:childTnLst>
+                    </p:cTn>
+                  </p:par>
+                  <p:par>
+                    <p:cTn id="43" fill="hold">
+                      <p:stCondLst>
+                        <p:cond delay="indefinite"/>
+                      </p:stCondLst>
+                      <p:childTnLst>
+                        <p:par>
+                          <p:cTn id="44" fill="hold">
+                            <p:stCondLst>
+                              <p:cond delay="0"/>
+                            </p:stCondLst>
+                            <p:childTnLst>
+                              <p:par>
+                                <p:cTn id="45" presetID="9" presetClass="entr" presetSubtype="0" fill="hold" nodeType="clickEffect">
+                                  <p:stCondLst>
+                                    <p:cond delay="0"/>
+                                  </p:stCondLst>
+                                  <p:childTnLst>
+                                    <p:set>
+                                      <p:cBhvr>
+                                        <p:cTn id="46" dur="1" fill="hold">
+                                          <p:stCondLst>
+                                            <p:cond delay="0"/>
+                                          </p:stCondLst>
+                                        </p:cTn>
+                                        <p:tgtEl>
+                                          <p:spTgt spid="3">
+                                            <p:txEl>
+                                              <p:pRg st="8" end="8"/>
+                                            </p:txEl>
+                                          </p:spTgt>
+                                        </p:tgtEl>
+                                        <p:attrNameLst>
+                                          <p:attrName>style.visibility</p:attrName>
+                                        </p:attrNameLst>
+                                      </p:cBhvr>
+                                      <p:to>
+                                        <p:strVal val="visible"/>
+                                      </p:to>
+                                    </p:set>
+                                    <p:animEffect transition="in" filter="dissolve">
+                                      <p:cBhvr>
+                                        <p:cTn id="47" dur="500"/>
+                                        <p:tgtEl>
+                                          <p:spTgt spid="3">
+                                            <p:txEl>
+                                              <p:pRg st="8" end="8"/>
+                                            </p:txEl>
+                                          </p:spTgt>
+                                        </p:tgtEl>
+                                      </p:cBhvr>
+                                    </p:animEffect>
                                   </p:childTnLst>
                                 </p:cTn>
                               </p:par>
